--- a/정유진 - 맛집/ppt/ppt.pptx
+++ b/정유진 - 맛집/ppt/ppt.pptx
@@ -4969,7 +4969,7 @@
         </p:nvSpPr>
         <p:spPr>
           <a:xfrm>
-            <a:off x="3866134" y="1583237"/>
+            <a:off x="3893212" y="1525566"/>
             <a:ext cx="1389529" cy="1785104"/>
           </a:xfrm>
           <a:prstGeom prst="rect">
@@ -5292,8 +5292,8 @@
         </p:nvSpPr>
         <p:spPr>
           <a:xfrm>
-            <a:off x="4380626" y="3013501"/>
-            <a:ext cx="3430747" cy="830997"/>
+            <a:off x="4048003" y="3013501"/>
+            <a:ext cx="4095994" cy="954107"/>
           </a:xfrm>
           <a:prstGeom prst="rect">
             <a:avLst/>
@@ -5308,7 +5308,7 @@
           <a:p>
             <a:pPr algn="ctr"/>
             <a:r>
-              <a:rPr lang="ko-KR" altLang="en-US" sz="4800" spc="600" dirty="0">
+              <a:rPr lang="ko-KR" altLang="en-US" sz="5600" b="1" spc="600" dirty="0">
                 <a:solidFill>
                   <a:schemeClr val="bg1"/>
                 </a:solidFill>
@@ -5808,14 +5808,6 @@
                   </a:rPr>
                   <a:t>persona</a:t>
                 </a:r>
-                <a:endParaRPr lang="en-US" altLang="ko-KR" sz="2000" b="1" spc="600" dirty="0" smtClean="0">
-                  <a:solidFill>
-                    <a:schemeClr val="bg1"/>
-                  </a:solidFill>
-                  <a:latin typeface="굴림" panose="020B0600000101010101" pitchFamily="50" charset="-127"/>
-                  <a:ea typeface="굴림" panose="020B0600000101010101" pitchFamily="50" charset="-127"/>
-                  <a:cs typeface="맑은 고딕 Semilight" panose="020B0502040204020203" pitchFamily="50" charset="-127"/>
-                </a:endParaRPr>
               </a:p>
             </p:txBody>
           </p:sp>
@@ -7560,16 +7552,20 @@
               <a:t>‘</a:t>
             </a:r>
             <a:r>
+              <a:rPr lang="en-US" altLang="ko-KR" sz="1100" dirty="0" smtClean="0"/>
+              <a:t>Daejeon Love U</a:t>
+            </a:r>
+            <a:r>
+              <a:rPr lang="en-US" altLang="ko-KR" sz="1100" dirty="0" smtClean="0"/>
+              <a:t>’ </a:t>
+            </a:r>
+            <a:r>
               <a:rPr lang="ko-KR" altLang="en-US" sz="1100" dirty="0" smtClean="0"/>
-              <a:t>데이트가 어렵다면</a:t>
-            </a:r>
-            <a:r>
-              <a:rPr lang="en-US" altLang="ko-KR" sz="1100" dirty="0" smtClean="0"/>
-              <a:t>?’</a:t>
+              <a:t>는 </a:t>
             </a:r>
             <a:r>
               <a:rPr lang="ko-KR" altLang="en-US" sz="1100" dirty="0" smtClean="0"/>
-              <a:t>은 그런 행복하고 설레는 데이트를 위해</a:t>
+              <a:t>그런 행복하고 설레는 데이트를 위해</a:t>
             </a:r>
             <a:endParaRPr lang="en-US" altLang="ko-KR" sz="1100" dirty="0" smtClean="0"/>
           </a:p>
@@ -7638,20 +7634,24 @@
               <a:t> </a:t>
             </a:r>
             <a:r>
+              <a:rPr lang="en-US" altLang="ko-KR" sz="1100" dirty="0"/>
+              <a:t>‘Daejeon Love </a:t>
+            </a:r>
+            <a:r>
               <a:rPr lang="en-US" altLang="ko-KR" sz="1100" dirty="0" smtClean="0"/>
-              <a:t>‘</a:t>
+              <a:t>U’ </a:t>
             </a:r>
             <a:r>
               <a:rPr lang="ko-KR" altLang="en-US" sz="1100" dirty="0" smtClean="0"/>
-              <a:t>데이트가 어렵다면</a:t>
-            </a:r>
-            <a:r>
-              <a:rPr lang="en-US" altLang="ko-KR" sz="1100" dirty="0" smtClean="0"/>
-              <a:t>?’</a:t>
+              <a:t>가</a:t>
             </a:r>
             <a:r>
               <a:rPr lang="ko-KR" altLang="en-US" sz="1100" dirty="0" smtClean="0"/>
-              <a:t>이 책임집니다</a:t>
+              <a:t> </a:t>
+            </a:r>
+            <a:r>
+              <a:rPr lang="ko-KR" altLang="en-US" sz="1100" dirty="0" smtClean="0"/>
+              <a:t>책임집니다</a:t>
             </a:r>
             <a:r>
               <a:rPr lang="en-US" altLang="ko-KR" sz="1100" dirty="0" smtClean="0"/>
@@ -7688,24 +7688,28 @@
           <a:p>
             <a:pPr algn="ctr"/>
             <a:r>
+              <a:rPr lang="ko-KR" altLang="en-US" sz="1100" dirty="0" smtClean="0"/>
+              <a:t>저희 </a:t>
+            </a:r>
+            <a:r>
+              <a:rPr lang="en-US" altLang="ko-KR" sz="1100" dirty="0"/>
+              <a:t>‘Daejeon Love U </a:t>
+            </a:r>
+            <a:r>
+              <a:rPr lang="en-US" altLang="ko-KR" sz="1100" dirty="0" smtClean="0"/>
+              <a:t>‘ </a:t>
+            </a:r>
+            <a:r>
+              <a:rPr lang="ko-KR" altLang="en-US" sz="1100" dirty="0" err="1" smtClean="0"/>
+              <a:t>를</a:t>
+            </a:r>
+            <a:r>
+              <a:rPr lang="ko-KR" altLang="en-US" sz="1100" dirty="0" smtClean="0"/>
+              <a:t> </a:t>
+            </a:r>
+            <a:r>
               <a:rPr lang="ko-KR" altLang="en-US" sz="1100" dirty="0"/>
-              <a:t>저희의 </a:t>
-            </a:r>
-            <a:r>
-              <a:rPr lang="en-US" altLang="ko-KR" sz="1100" dirty="0"/>
-              <a:t>‘</a:t>
-            </a:r>
-            <a:r>
-              <a:rPr lang="ko-KR" altLang="en-US" sz="1100" dirty="0"/>
-              <a:t>데이트가 어렵다면</a:t>
-            </a:r>
-            <a:r>
-              <a:rPr lang="en-US" altLang="ko-KR" sz="1100" dirty="0"/>
-              <a:t>?’ </a:t>
-            </a:r>
-            <a:r>
-              <a:rPr lang="ko-KR" altLang="en-US" sz="1100" dirty="0"/>
-              <a:t>을 통해</a:t>
+              <a:t>통해</a:t>
             </a:r>
             <a:endParaRPr lang="en-US" altLang="ko-KR" sz="1100" dirty="0"/>
           </a:p>
@@ -9190,7 +9194,7 @@
         </p:nvSpPr>
         <p:spPr>
           <a:xfrm>
-            <a:off x="8313979" y="3974753"/>
+            <a:off x="8313980" y="4159418"/>
             <a:ext cx="2671520" cy="1569660"/>
           </a:xfrm>
           <a:prstGeom prst="rect">
@@ -9495,17 +9499,7 @@
                 <a:latin typeface="굴림" panose="020B0600000101010101" pitchFamily="50" charset="-127"/>
                 <a:ea typeface="굴림" panose="020B0600000101010101" pitchFamily="50" charset="-127"/>
               </a:rPr>
-              <a:t>장소와 내게 </a:t>
-            </a:r>
-            <a:r>
-              <a:rPr lang="ko-KR" altLang="en-US" sz="1200" b="1" dirty="0" smtClean="0">
-                <a:solidFill>
-                  <a:srgbClr val="B89BD7"/>
-                </a:solidFill>
-                <a:latin typeface="굴림" panose="020B0600000101010101" pitchFamily="50" charset="-127"/>
-                <a:ea typeface="굴림" panose="020B0600000101010101" pitchFamily="50" charset="-127"/>
-              </a:rPr>
-              <a:t>어울리는 옷이 무엇일지 고민될 때</a:t>
+              <a:t>장소와 내게 어울리는 옷이 무엇일지 고민될 때</a:t>
             </a:r>
             <a:r>
               <a:rPr lang="en-US" altLang="ko-KR" sz="1200" b="1" dirty="0" smtClean="0">
@@ -9555,8 +9549,8 @@
         </p:nvSpPr>
         <p:spPr>
           <a:xfrm>
-            <a:off x="1124276" y="3970901"/>
-            <a:ext cx="2657288" cy="1200329"/>
+            <a:off x="1138508" y="4159418"/>
+            <a:ext cx="2657288" cy="1384995"/>
           </a:xfrm>
           <a:prstGeom prst="rect">
             <a:avLst/>
@@ -9646,7 +9640,69 @@
             </a:r>
           </a:p>
           <a:p>
+            <a:pPr marL="228600" indent="-228600" algn="ctr">
+              <a:buAutoNum type="alphaUcPeriod"/>
+            </a:pPr>
+            <a:endParaRPr lang="en-US" altLang="ko-KR" sz="1200" b="1" dirty="0">
+              <a:solidFill>
+                <a:schemeClr val="accent3">
+                  <a:lumMod val="75000"/>
+                </a:schemeClr>
+              </a:solidFill>
+              <a:latin typeface="굴림" panose="020B0600000101010101" pitchFamily="50" charset="-127"/>
+              <a:ea typeface="굴림" panose="020B0600000101010101" pitchFamily="50" charset="-127"/>
+            </a:endParaRPr>
+          </a:p>
+          <a:p>
             <a:pPr algn="ctr"/>
+            <a:r>
+              <a:rPr lang="ko-KR" altLang="en-US" sz="1200" b="1" dirty="0" smtClean="0">
+                <a:solidFill>
+                  <a:schemeClr val="accent3">
+                    <a:lumMod val="75000"/>
+                  </a:schemeClr>
+                </a:solidFill>
+                <a:latin typeface="굴림" panose="020B0600000101010101" pitchFamily="50" charset="-127"/>
+                <a:ea typeface="굴림" panose="020B0600000101010101" pitchFamily="50" charset="-127"/>
+              </a:rPr>
+              <a:t>맛집과 함께 근처 </a:t>
+            </a:r>
+            <a:r>
+              <a:rPr lang="ko-KR" altLang="en-US" sz="1200" b="1" dirty="0" err="1" smtClean="0">
+                <a:solidFill>
+                  <a:schemeClr val="accent3">
+                    <a:lumMod val="75000"/>
+                  </a:schemeClr>
+                </a:solidFill>
+                <a:latin typeface="굴림" panose="020B0600000101010101" pitchFamily="50" charset="-127"/>
+                <a:ea typeface="굴림" panose="020B0600000101010101" pitchFamily="50" charset="-127"/>
+              </a:rPr>
+              <a:t>핫플레이스까지</a:t>
+            </a:r>
+            <a:endParaRPr lang="en-US" altLang="ko-KR" sz="1200" b="1" dirty="0">
+              <a:solidFill>
+                <a:schemeClr val="accent3">
+                  <a:lumMod val="75000"/>
+                </a:schemeClr>
+              </a:solidFill>
+              <a:latin typeface="굴림" panose="020B0600000101010101" pitchFamily="50" charset="-127"/>
+              <a:ea typeface="굴림" panose="020B0600000101010101" pitchFamily="50" charset="-127"/>
+            </a:endParaRPr>
+          </a:p>
+          <a:p>
+            <a:pPr algn="ctr"/>
+            <a:r>
+              <a:rPr lang="ko-KR" altLang="en-US" sz="1200" b="1" dirty="0" smtClean="0">
+                <a:solidFill>
+                  <a:schemeClr val="accent3">
+                    <a:lumMod val="75000"/>
+                  </a:schemeClr>
+                </a:solidFill>
+                <a:latin typeface="굴림" panose="020B0600000101010101" pitchFamily="50" charset="-127"/>
+                <a:ea typeface="굴림" panose="020B0600000101010101" pitchFamily="50" charset="-127"/>
+              </a:rPr>
+              <a:t>알려드려 알찬 데이트를</a:t>
+            </a:r>
             <a:endParaRPr lang="en-US" altLang="ko-KR" sz="1200" b="1" dirty="0" smtClean="0">
               <a:solidFill>
                 <a:schemeClr val="accent3">
@@ -9659,19 +9715,31 @@
           </a:p>
           <a:p>
             <a:pPr algn="ctr"/>
-            <a:endParaRPr lang="en-US" altLang="ko-KR" sz="1200" b="1" dirty="0">
-              <a:solidFill>
-                <a:schemeClr val="accent3">
-                  <a:lumMod val="75000"/>
-                </a:schemeClr>
-              </a:solidFill>
-              <a:latin typeface="굴림" panose="020B0600000101010101" pitchFamily="50" charset="-127"/>
-              <a:ea typeface="굴림" panose="020B0600000101010101" pitchFamily="50" charset="-127"/>
-            </a:endParaRPr>
-          </a:p>
-          <a:p>
-            <a:pPr algn="ctr"/>
-            <a:endParaRPr lang="ko-KR" altLang="en-US" sz="1200" b="1" dirty="0">
+            <a:r>
+              <a:rPr lang="ko-KR" altLang="en-US" sz="1200" b="1" dirty="0" smtClean="0">
+                <a:solidFill>
+                  <a:schemeClr val="accent3">
+                    <a:lumMod val="75000"/>
+                  </a:schemeClr>
+                </a:solidFill>
+                <a:latin typeface="굴림" panose="020B0600000101010101" pitchFamily="50" charset="-127"/>
+                <a:ea typeface="굴림" panose="020B0600000101010101" pitchFamily="50" charset="-127"/>
+              </a:rPr>
+              <a:t>하실 수 있게끔 도와드릴게요 </a:t>
+            </a:r>
+            <a:r>
+              <a:rPr lang="en-US" altLang="ko-KR" sz="1200" b="1" dirty="0" smtClean="0">
+                <a:solidFill>
+                  <a:schemeClr val="accent3">
+                    <a:lumMod val="75000"/>
+                  </a:schemeClr>
+                </a:solidFill>
+                <a:latin typeface="굴림" panose="020B0600000101010101" pitchFamily="50" charset="-127"/>
+                <a:ea typeface="굴림" panose="020B0600000101010101" pitchFamily="50" charset="-127"/>
+              </a:rPr>
+              <a:t>!</a:t>
+            </a:r>
+            <a:endParaRPr lang="en-US" altLang="ko-KR" sz="1200" b="1" dirty="0" smtClean="0">
               <a:solidFill>
                 <a:schemeClr val="accent3">
                   <a:lumMod val="75000"/>
@@ -10110,9 +10178,9 @@
         <p:grpSpPr>
           <a:xfrm>
             <a:off x="1231852" y="1913275"/>
-            <a:ext cx="3191437" cy="2212041"/>
+            <a:ext cx="3191437" cy="2027375"/>
             <a:chOff x="1257299" y="2897024"/>
-            <a:chExt cx="2899953" cy="2212041"/>
+            <a:chExt cx="2899953" cy="2027375"/>
           </a:xfrm>
         </p:grpSpPr>
         <p:sp>
@@ -10224,7 +10292,7 @@
           <p:spPr>
             <a:xfrm>
               <a:off x="1257299" y="3354739"/>
-              <a:ext cx="2719416" cy="1754326"/>
+              <a:ext cx="2719416" cy="1569660"/>
             </a:xfrm>
             <a:prstGeom prst="rect">
               <a:avLst/>
@@ -10283,7 +10351,7 @@
                   </a:solidFill>
                   <a:latin typeface="+mj-ea"/>
                 </a:rPr>
-                <a:t>‘</a:t>
+                <a:t>‘Daejeon Love U’</a:t>
               </a:r>
               <a:r>
                 <a:rPr lang="ko-KR" altLang="en-US" sz="1200" b="1" dirty="0" smtClean="0">
@@ -10294,18 +10362,7 @@
                   </a:solidFill>
                   <a:latin typeface="+mj-ea"/>
                 </a:rPr>
-                <a:t>데이트가 어렵다면</a:t>
-              </a:r>
-              <a:r>
-                <a:rPr lang="en-US" altLang="ko-KR" sz="1200" b="1" dirty="0" smtClean="0">
-                  <a:solidFill>
-                    <a:schemeClr val="bg1">
-                      <a:lumMod val="50000"/>
-                    </a:schemeClr>
-                  </a:solidFill>
-                  <a:latin typeface="+mj-ea"/>
-                </a:rPr>
-                <a:t>?’</a:t>
+                <a:t>는 </a:t>
               </a:r>
               <a:r>
                 <a:rPr lang="ko-KR" altLang="en-US" sz="1200" b="1" dirty="0" smtClean="0">
@@ -10316,19 +10373,8 @@
                   </a:solidFill>
                   <a:latin typeface="+mj-ea"/>
                 </a:rPr>
-                <a:t>은</a:t>
+                <a:t>대전의 </a:t>
               </a:r>
-              <a:endParaRPr lang="en-US" altLang="ko-KR" sz="1200" b="1" dirty="0" smtClean="0">
-                <a:solidFill>
-                  <a:schemeClr val="bg1">
-                    <a:lumMod val="50000"/>
-                  </a:schemeClr>
-                </a:solidFill>
-                <a:latin typeface="+mj-ea"/>
-              </a:endParaRPr>
-            </a:p>
-            <a:p>
-              <a:pPr algn="ctr"/>
               <a:r>
                 <a:rPr lang="ko-KR" altLang="en-US" sz="1200" b="1" dirty="0" smtClean="0">
                   <a:solidFill>
@@ -10338,7 +10384,7 @@
                   </a:solidFill>
                   <a:latin typeface="+mj-ea"/>
                 </a:rPr>
-                <a:t>대전의 유명하거나 숨겨진 다양한 맛집과 데이트 명소에 </a:t>
+                <a:t>유명하거나 숨겨진 다양한 맛집과 데이트 명소에 </a:t>
               </a:r>
               <a:r>
                 <a:rPr lang="ko-KR" altLang="en-US" sz="1200" b="1" dirty="0">
@@ -10592,14 +10638,15 @@
                 <a:t>‘</a:t>
               </a:r>
               <a:r>
-                <a:rPr lang="ko-KR" altLang="en-US" sz="1200" b="1" dirty="0" smtClean="0">
+                <a:rPr lang="en-US" altLang="ko-KR" sz="1200" b="1" dirty="0">
                   <a:solidFill>
                     <a:schemeClr val="bg1">
                       <a:lumMod val="50000"/>
                     </a:schemeClr>
                   </a:solidFill>
+                  <a:latin typeface="+mj-ea"/>
                 </a:rPr>
-                <a:t>데이트가 어렵다면</a:t>
+                <a:t>Daejeon Love </a:t>
               </a:r>
               <a:r>
                 <a:rPr lang="en-US" altLang="ko-KR" sz="1200" b="1" dirty="0" smtClean="0">
@@ -10608,8 +10655,9 @@
                       <a:lumMod val="50000"/>
                     </a:schemeClr>
                   </a:solidFill>
+                  <a:latin typeface="+mj-ea"/>
                 </a:rPr>
-                <a:t>?’</a:t>
+                <a:t>U’ </a:t>
               </a:r>
               <a:r>
                 <a:rPr lang="ko-KR" altLang="en-US" sz="1200" b="1" dirty="0" smtClean="0">
@@ -10618,8 +10666,9 @@
                       <a:lumMod val="50000"/>
                     </a:schemeClr>
                   </a:solidFill>
+                  <a:latin typeface="+mj-ea"/>
                 </a:rPr>
-                <a:t>은</a:t>
+                <a:t>는</a:t>
               </a:r>
               <a:endParaRPr lang="en-US" altLang="ko-KR" sz="1200" b="1" dirty="0" smtClean="0">
                 <a:solidFill>
@@ -10950,7 +10999,7 @@
           <a:p>
             <a:pPr algn="ctr"/>
             <a:r>
-              <a:rPr lang="en-US" altLang="ko-KR" sz="1200" b="1" dirty="0" smtClean="0">
+              <a:rPr lang="en-US" altLang="ko-KR" sz="1200" b="1" dirty="0">
                 <a:solidFill>
                   <a:schemeClr val="bg1">
                     <a:lumMod val="50000"/>
@@ -10958,10 +11007,10 @@
                 </a:solidFill>
                 <a:latin typeface="+mj-ea"/>
               </a:rPr>
-              <a:t>‘</a:t>
-            </a:r>
-            <a:r>
-              <a:rPr lang="ko-KR" altLang="en-US" sz="1200" b="1" dirty="0" smtClean="0">
+              <a:t>‘Daejeon Love </a:t>
+            </a:r>
+            <a:r>
+              <a:rPr lang="en-US" altLang="ko-KR" sz="1200" b="1" dirty="0" smtClean="0">
                 <a:solidFill>
                   <a:schemeClr val="bg1">
                     <a:lumMod val="50000"/>
@@ -10969,10 +11018,10 @@
                 </a:solidFill>
                 <a:latin typeface="+mj-ea"/>
               </a:rPr>
-              <a:t>데이트가 어렵다면</a:t>
-            </a:r>
-            <a:r>
-              <a:rPr lang="en-US" altLang="ko-KR" sz="1200" b="1" dirty="0" smtClean="0">
+              <a:t>U’ </a:t>
+            </a:r>
+            <a:r>
+              <a:rPr lang="ko-KR" altLang="en-US" sz="1200" b="1" dirty="0" smtClean="0">
                 <a:solidFill>
                   <a:schemeClr val="bg1">
                     <a:lumMod val="50000"/>
@@ -10980,7 +11029,7 @@
                 </a:solidFill>
                 <a:latin typeface="+mj-ea"/>
               </a:rPr>
-              <a:t>?’</a:t>
+              <a:t>에 </a:t>
             </a:r>
             <a:r>
               <a:rPr lang="ko-KR" altLang="en-US" sz="1200" b="1" dirty="0" smtClean="0">
@@ -10991,7 +11040,7 @@
                 </a:solidFill>
                 <a:latin typeface="+mj-ea"/>
               </a:rPr>
-              <a:t>에 연동되기 위한 맛집</a:t>
+              <a:t>연동되기 위한 맛집</a:t>
             </a:r>
             <a:r>
               <a:rPr lang="en-US" altLang="ko-KR" sz="1200" b="1" dirty="0" smtClean="0">
@@ -11743,20 +11792,7 @@
                 <a:latin typeface="+mj-ea"/>
                 <a:ea typeface="+mj-ea"/>
               </a:rPr>
-              <a:t>대전 </a:t>
-            </a:r>
-            <a:r>
-              <a:rPr lang="ko-KR" altLang="en-US" b="1" spc="-150" dirty="0" smtClean="0">
-                <a:solidFill>
-                  <a:schemeClr val="tx1">
-                    <a:lumMod val="75000"/>
-                    <a:lumOff val="25000"/>
-                  </a:schemeClr>
-                </a:solidFill>
-                <a:latin typeface="+mj-ea"/>
-                <a:ea typeface="+mj-ea"/>
-              </a:rPr>
-              <a:t>맛집</a:t>
+              <a:t>대전 맛집</a:t>
             </a:r>
             <a:endParaRPr lang="ko-KR" altLang="en-US" b="1" spc="-150" dirty="0">
               <a:solidFill>
@@ -11983,20 +12019,7 @@
                 <a:latin typeface="+mj-ea"/>
                 <a:ea typeface="+mj-ea"/>
               </a:rPr>
-              <a:t>대전 </a:t>
-            </a:r>
-            <a:r>
-              <a:rPr lang="ko-KR" altLang="en-US" b="1" spc="-150" dirty="0" smtClean="0">
-                <a:solidFill>
-                  <a:schemeClr val="tx1">
-                    <a:lumMod val="75000"/>
-                    <a:lumOff val="25000"/>
-                  </a:schemeClr>
-                </a:solidFill>
-                <a:latin typeface="+mj-ea"/>
-                <a:ea typeface="+mj-ea"/>
-              </a:rPr>
-              <a:t>데이트 장소</a:t>
+              <a:t>대전 데이트 장소</a:t>
             </a:r>
             <a:endParaRPr lang="ko-KR" altLang="en-US" b="1" spc="-150" dirty="0">
               <a:solidFill>
@@ -12725,197 +12748,6 @@
       </p:sp>
       <p:sp>
         <p:nvSpPr>
-          <p:cNvPr id="10" name="TextBox 9">
-            <a:extLst>
-              <a:ext uri="{FF2B5EF4-FFF2-40B4-BE49-F238E27FC236}">
-                <a16:creationId xmlns:a16="http://schemas.microsoft.com/office/drawing/2014/main" id="{C3AFCDC8-D8A7-2A06-28B2-A4AB59DDB175}"/>
-              </a:ext>
-            </a:extLst>
-          </p:cNvPr>
-          <p:cNvSpPr txBox="1"/>
-          <p:nvPr/>
-        </p:nvSpPr>
-        <p:spPr>
-          <a:xfrm>
-            <a:off x="6493804" y="4309783"/>
-            <a:ext cx="3875744" cy="1191095"/>
-          </a:xfrm>
-          <a:prstGeom prst="rect">
-            <a:avLst/>
-          </a:prstGeom>
-          <a:noFill/>
-          <a:ln>
-            <a:noFill/>
-          </a:ln>
-        </p:spPr>
-        <p:txBody>
-          <a:bodyPr wrap="square" rtlCol="0">
-            <a:spAutoFit/>
-          </a:bodyPr>
-          <a:lstStyle/>
-          <a:p>
-            <a:pPr algn="ctr">
-              <a:lnSpc>
-                <a:spcPct val="170000"/>
-              </a:lnSpc>
-            </a:pPr>
-            <a:r>
-              <a:rPr lang="ko-KR" altLang="en-US" sz="1400" dirty="0" smtClean="0">
-                <a:solidFill>
-                  <a:schemeClr val="tx1">
-                    <a:lumMod val="65000"/>
-                    <a:lumOff val="35000"/>
-                  </a:schemeClr>
-                </a:solidFill>
-                <a:latin typeface="+mn-ea"/>
-              </a:rPr>
-              <a:t>추후 카테고리를 추가할 예정입니다</a:t>
-            </a:r>
-            <a:endParaRPr lang="en-US" altLang="ko-KR" sz="1400" dirty="0" smtClean="0">
-              <a:solidFill>
-                <a:schemeClr val="tx1">
-                  <a:lumMod val="65000"/>
-                  <a:lumOff val="35000"/>
-                </a:schemeClr>
-              </a:solidFill>
-              <a:latin typeface="+mn-ea"/>
-            </a:endParaRPr>
-          </a:p>
-          <a:p>
-            <a:pPr algn="ctr">
-              <a:lnSpc>
-                <a:spcPct val="170000"/>
-              </a:lnSpc>
-            </a:pPr>
-            <a:r>
-              <a:rPr lang="ko-KR" altLang="en-US" sz="1400" dirty="0" err="1" smtClean="0">
-                <a:solidFill>
-                  <a:schemeClr val="tx1">
-                    <a:lumMod val="65000"/>
-                    <a:lumOff val="35000"/>
-                  </a:schemeClr>
-                </a:solidFill>
-                <a:latin typeface="+mn-ea"/>
-              </a:rPr>
-              <a:t>액티비티</a:t>
-            </a:r>
-            <a:r>
-              <a:rPr lang="en-US" altLang="ko-KR" sz="1400" dirty="0" smtClean="0">
-                <a:solidFill>
-                  <a:schemeClr val="tx1">
-                    <a:lumMod val="65000"/>
-                    <a:lumOff val="35000"/>
-                  </a:schemeClr>
-                </a:solidFill>
-                <a:latin typeface="+mn-ea"/>
-              </a:rPr>
-              <a:t>(</a:t>
-            </a:r>
-            <a:r>
-              <a:rPr lang="ko-KR" altLang="en-US" sz="1400" dirty="0" smtClean="0">
-                <a:solidFill>
-                  <a:schemeClr val="tx1">
-                    <a:lumMod val="65000"/>
-                    <a:lumOff val="35000"/>
-                  </a:schemeClr>
-                </a:solidFill>
-                <a:latin typeface="+mn-ea"/>
-              </a:rPr>
-              <a:t>실외</a:t>
-            </a:r>
-            <a:r>
-              <a:rPr lang="en-US" altLang="ko-KR" sz="1400" dirty="0" smtClean="0">
-                <a:solidFill>
-                  <a:schemeClr val="tx1">
-                    <a:lumMod val="65000"/>
-                    <a:lumOff val="35000"/>
-                  </a:schemeClr>
-                </a:solidFill>
-                <a:latin typeface="+mn-ea"/>
-              </a:rPr>
-              <a:t>&amp;</a:t>
-            </a:r>
-            <a:r>
-              <a:rPr lang="ko-KR" altLang="en-US" sz="1400" dirty="0" smtClean="0">
-                <a:solidFill>
-                  <a:schemeClr val="tx1">
-                    <a:lumMod val="65000"/>
-                    <a:lumOff val="35000"/>
-                  </a:schemeClr>
-                </a:solidFill>
-                <a:latin typeface="+mn-ea"/>
-              </a:rPr>
-              <a:t>실내</a:t>
-            </a:r>
-            <a:r>
-              <a:rPr lang="en-US" altLang="ko-KR" sz="1400" dirty="0" smtClean="0">
-                <a:solidFill>
-                  <a:schemeClr val="tx1">
-                    <a:lumMod val="65000"/>
-                    <a:lumOff val="35000"/>
-                  </a:schemeClr>
-                </a:solidFill>
-                <a:latin typeface="+mn-ea"/>
-              </a:rPr>
-              <a:t>)</a:t>
-            </a:r>
-          </a:p>
-          <a:p>
-            <a:pPr algn="ctr">
-              <a:lnSpc>
-                <a:spcPct val="170000"/>
-              </a:lnSpc>
-            </a:pPr>
-            <a:r>
-              <a:rPr lang="ko-KR" altLang="en-US" sz="1400" dirty="0" smtClean="0">
-                <a:solidFill>
-                  <a:schemeClr val="tx1">
-                    <a:lumMod val="65000"/>
-                    <a:lumOff val="35000"/>
-                  </a:schemeClr>
-                </a:solidFill>
-                <a:latin typeface="+mn-ea"/>
-              </a:rPr>
-              <a:t>근교 드라이브 </a:t>
-            </a:r>
-            <a:r>
-              <a:rPr lang="en-US" altLang="ko-KR" sz="1400" dirty="0" smtClean="0">
-                <a:solidFill>
-                  <a:schemeClr val="tx1">
-                    <a:lumMod val="65000"/>
-                    <a:lumOff val="35000"/>
-                  </a:schemeClr>
-                </a:solidFill>
-                <a:latin typeface="+mn-ea"/>
-              </a:rPr>
-              <a:t>&amp; </a:t>
-            </a:r>
-            <a:r>
-              <a:rPr lang="ko-KR" altLang="en-US" sz="1400" dirty="0" smtClean="0">
-                <a:solidFill>
-                  <a:schemeClr val="tx1">
-                    <a:lumMod val="65000"/>
-                    <a:lumOff val="35000"/>
-                  </a:schemeClr>
-                </a:solidFill>
-                <a:latin typeface="+mn-ea"/>
-              </a:rPr>
-              <a:t>여행지 등</a:t>
-            </a:r>
-            <a:endParaRPr lang="en-US" altLang="ko-KR" sz="1400" dirty="0">
-              <a:solidFill>
-                <a:schemeClr val="tx1">
-                  <a:lumMod val="65000"/>
-                  <a:lumOff val="35000"/>
-                </a:schemeClr>
-              </a:solidFill>
-              <a:latin typeface="+mn-ea"/>
-            </a:endParaRPr>
-          </a:p>
-        </p:txBody>
-      </p:sp>
-      <p:sp>
-        <p:nvSpPr>
           <p:cNvPr id="11" name="TextBox 10">
             <a:extLst>
               <a:ext uri="{FF2B5EF4-FFF2-40B4-BE49-F238E27FC236}">
@@ -13062,8 +12894,8 @@
         </p:nvSpPr>
         <p:spPr>
           <a:xfrm>
-            <a:off x="6189645" y="3768084"/>
-            <a:ext cx="608319" cy="369332"/>
+            <a:off x="6189644" y="3768084"/>
+            <a:ext cx="1121135" cy="461665"/>
           </a:xfrm>
           <a:prstGeom prst="rect">
             <a:avLst/>
@@ -13077,14 +12909,14 @@
           <a:lstStyle/>
           <a:p>
             <a:r>
-              <a:rPr lang="en-US" altLang="ko-KR" b="1" dirty="0" smtClean="0">
+              <a:rPr lang="ko-KR" altLang="en-US" sz="2400" b="1" dirty="0" err="1" smtClean="0">
                 <a:solidFill>
                   <a:schemeClr val="bg1"/>
                 </a:solidFill>
               </a:rPr>
-              <a:t>...</a:t>
-            </a:r>
-            <a:endParaRPr lang="ko-KR" altLang="en-US" b="1" dirty="0">
+              <a:t>핫플</a:t>
+            </a:r>
+            <a:endParaRPr lang="ko-KR" altLang="en-US" sz="2400" b="1" dirty="0">
               <a:solidFill>
                 <a:schemeClr val="bg1"/>
               </a:solidFill>
@@ -13126,7 +12958,7 @@
         </p:nvGrpSpPr>
         <p:grpSpPr>
           <a:xfrm>
-            <a:off x="1647010" y="1456986"/>
+            <a:off x="1594053" y="1475257"/>
             <a:ext cx="3632662" cy="2182749"/>
             <a:chOff x="3110871" y="445564"/>
             <a:chExt cx="5924705" cy="5871720"/>
@@ -13649,994 +13481,1009 @@
           </p:txBody>
         </p:sp>
       </p:grpSp>
-      <p:sp>
-        <p:nvSpPr>
-          <p:cNvPr id="61" name="모서리가 둥근 직사각형 60"/>
-          <p:cNvSpPr/>
+      <p:grpSp>
+        <p:nvGrpSpPr>
+          <p:cNvPr id="7" name="그룹 6"/>
+          <p:cNvGrpSpPr/>
           <p:nvPr/>
-        </p:nvSpPr>
-        <p:spPr>
+        </p:nvGrpSpPr>
+        <p:grpSpPr>
           <a:xfrm>
-            <a:off x="2199753" y="4164650"/>
-            <a:ext cx="2153012" cy="113927"/>
+            <a:off x="1485798" y="4001077"/>
+            <a:ext cx="3645440" cy="1892328"/>
+            <a:chOff x="1555548" y="4164650"/>
+            <a:chExt cx="3441421" cy="1556731"/>
           </a:xfrm>
-          <a:prstGeom prst="roundRect">
-            <a:avLst>
-              <a:gd name="adj" fmla="val 50000"/>
-            </a:avLst>
-          </a:prstGeom>
-          <a:solidFill>
-            <a:schemeClr val="bg1"/>
-          </a:solidFill>
-          <a:ln>
-            <a:noFill/>
-          </a:ln>
-        </p:spPr>
-        <p:style>
-          <a:lnRef idx="2">
-            <a:schemeClr val="accent1">
-              <a:shade val="50000"/>
-            </a:schemeClr>
-          </a:lnRef>
-          <a:fillRef idx="1">
-            <a:schemeClr val="accent1"/>
-          </a:fillRef>
-          <a:effectRef idx="0">
-            <a:schemeClr val="accent1"/>
-          </a:effectRef>
-          <a:fontRef idx="minor">
-            <a:schemeClr val="lt1"/>
-          </a:fontRef>
-        </p:style>
-        <p:txBody>
-          <a:bodyPr rtlCol="0" anchor="ctr"/>
-          <a:lstStyle/>
-          <a:p>
-            <a:pPr algn="ctr"/>
-            <a:r>
-              <a:rPr lang="en-US" altLang="ko-KR" sz="1050" dirty="0" smtClean="0">
+        </p:grpSpPr>
+        <p:sp>
+          <p:nvSpPr>
+            <p:cNvPr id="61" name="모서리가 둥근 직사각형 60"/>
+            <p:cNvSpPr/>
+            <p:nvPr/>
+          </p:nvSpPr>
+          <p:spPr>
+            <a:xfrm>
+              <a:off x="2199753" y="4164650"/>
+              <a:ext cx="2153012" cy="113927"/>
+            </a:xfrm>
+            <a:prstGeom prst="roundRect">
+              <a:avLst>
+                <a:gd name="adj" fmla="val 50000"/>
+              </a:avLst>
+            </a:prstGeom>
+            <a:solidFill>
+              <a:schemeClr val="bg1"/>
+            </a:solidFill>
+            <a:ln>
+              <a:noFill/>
+            </a:ln>
+          </p:spPr>
+          <p:style>
+            <a:lnRef idx="2">
+              <a:schemeClr val="accent1">
+                <a:shade val="50000"/>
+              </a:schemeClr>
+            </a:lnRef>
+            <a:fillRef idx="1">
+              <a:schemeClr val="accent1"/>
+            </a:fillRef>
+            <a:effectRef idx="0">
+              <a:schemeClr val="accent1"/>
+            </a:effectRef>
+            <a:fontRef idx="minor">
+              <a:schemeClr val="lt1"/>
+            </a:fontRef>
+          </p:style>
+          <p:txBody>
+            <a:bodyPr rtlCol="0" anchor="ctr"/>
+            <a:lstStyle/>
+            <a:p>
+              <a:pPr algn="ctr"/>
+              <a:r>
+                <a:rPr lang="en-US" altLang="ko-KR" sz="1050" dirty="0" smtClean="0">
+                  <a:solidFill>
+                    <a:schemeClr val="tx1"/>
+                  </a:solidFill>
+                </a:rPr>
+                <a:t>Title</a:t>
+              </a:r>
+              <a:endParaRPr lang="ko-KR" altLang="en-US" sz="1050" dirty="0">
                 <a:solidFill>
                   <a:schemeClr val="tx1"/>
                 </a:solidFill>
-              </a:rPr>
-              <a:t>Title</a:t>
-            </a:r>
-            <a:endParaRPr lang="ko-KR" altLang="en-US" sz="1050" dirty="0">
-              <a:solidFill>
-                <a:schemeClr val="tx1"/>
-              </a:solidFill>
-            </a:endParaRPr>
-          </a:p>
-        </p:txBody>
-      </p:sp>
-      <p:sp>
-        <p:nvSpPr>
-          <p:cNvPr id="62" name="모서리가 둥근 직사각형 61"/>
-          <p:cNvSpPr/>
-          <p:nvPr/>
-        </p:nvSpPr>
-        <p:spPr>
-          <a:xfrm>
-            <a:off x="1903636" y="4304469"/>
-            <a:ext cx="2745247" cy="124283"/>
-          </a:xfrm>
-          <a:prstGeom prst="roundRect">
-            <a:avLst>
-              <a:gd name="adj" fmla="val 50000"/>
-            </a:avLst>
-          </a:prstGeom>
-          <a:solidFill>
-            <a:schemeClr val="bg1"/>
-          </a:solidFill>
-          <a:ln>
-            <a:noFill/>
-          </a:ln>
-        </p:spPr>
-        <p:style>
-          <a:lnRef idx="2">
-            <a:schemeClr val="accent1">
-              <a:shade val="50000"/>
-            </a:schemeClr>
-          </a:lnRef>
-          <a:fillRef idx="1">
-            <a:schemeClr val="accent1"/>
-          </a:fillRef>
-          <a:effectRef idx="0">
-            <a:schemeClr val="accent1"/>
-          </a:effectRef>
-          <a:fontRef idx="minor">
-            <a:schemeClr val="lt1"/>
-          </a:fontRef>
-        </p:style>
-        <p:txBody>
-          <a:bodyPr rtlCol="0" anchor="ctr"/>
-          <a:lstStyle/>
-          <a:p>
-            <a:pPr algn="ctr"/>
-            <a:r>
-              <a:rPr lang="en-US" altLang="ko-KR" sz="800" dirty="0" smtClean="0">
+              </a:endParaRPr>
+            </a:p>
+          </p:txBody>
+        </p:sp>
+        <p:sp>
+          <p:nvSpPr>
+            <p:cNvPr id="62" name="모서리가 둥근 직사각형 61"/>
+            <p:cNvSpPr/>
+            <p:nvPr/>
+          </p:nvSpPr>
+          <p:spPr>
+            <a:xfrm>
+              <a:off x="1903636" y="4304469"/>
+              <a:ext cx="2745247" cy="124283"/>
+            </a:xfrm>
+            <a:prstGeom prst="roundRect">
+              <a:avLst>
+                <a:gd name="adj" fmla="val 50000"/>
+              </a:avLst>
+            </a:prstGeom>
+            <a:solidFill>
+              <a:schemeClr val="bg1"/>
+            </a:solidFill>
+            <a:ln>
+              <a:noFill/>
+            </a:ln>
+          </p:spPr>
+          <p:style>
+            <a:lnRef idx="2">
+              <a:schemeClr val="accent1">
+                <a:shade val="50000"/>
+              </a:schemeClr>
+            </a:lnRef>
+            <a:fillRef idx="1">
+              <a:schemeClr val="accent1"/>
+            </a:fillRef>
+            <a:effectRef idx="0">
+              <a:schemeClr val="accent1"/>
+            </a:effectRef>
+            <a:fontRef idx="minor">
+              <a:schemeClr val="lt1"/>
+            </a:fontRef>
+          </p:style>
+          <p:txBody>
+            <a:bodyPr rtlCol="0" anchor="ctr"/>
+            <a:lstStyle/>
+            <a:p>
+              <a:pPr algn="ctr"/>
+              <a:r>
+                <a:rPr lang="en-US" altLang="ko-KR" sz="800" dirty="0" smtClean="0">
+                  <a:solidFill>
+                    <a:schemeClr val="tx1"/>
+                  </a:solidFill>
+                </a:rPr>
+                <a:t>Category</a:t>
+              </a:r>
+              <a:endParaRPr lang="ko-KR" altLang="en-US" sz="800" dirty="0">
                 <a:solidFill>
                   <a:schemeClr val="tx1"/>
                 </a:solidFill>
-              </a:rPr>
-              <a:t>Category</a:t>
-            </a:r>
-            <a:endParaRPr lang="ko-KR" altLang="en-US" sz="800" dirty="0">
-              <a:solidFill>
-                <a:schemeClr val="tx1"/>
-              </a:solidFill>
-            </a:endParaRPr>
-          </a:p>
-        </p:txBody>
-      </p:sp>
-      <p:sp>
-        <p:nvSpPr>
-          <p:cNvPr id="63" name="모서리가 둥근 직사각형 62"/>
-          <p:cNvSpPr/>
-          <p:nvPr/>
-        </p:nvSpPr>
-        <p:spPr>
-          <a:xfrm>
-            <a:off x="1555548" y="4461355"/>
-            <a:ext cx="3441421" cy="206848"/>
-          </a:xfrm>
-          <a:prstGeom prst="roundRect">
-            <a:avLst>
-              <a:gd name="adj" fmla="val 50000"/>
-            </a:avLst>
-          </a:prstGeom>
-          <a:solidFill>
-            <a:schemeClr val="bg1"/>
-          </a:solidFill>
-          <a:ln>
-            <a:noFill/>
-          </a:ln>
-        </p:spPr>
-        <p:style>
-          <a:lnRef idx="2">
-            <a:schemeClr val="accent1">
-              <a:shade val="50000"/>
-            </a:schemeClr>
-          </a:lnRef>
-          <a:fillRef idx="1">
-            <a:schemeClr val="accent1"/>
-          </a:fillRef>
-          <a:effectRef idx="0">
-            <a:schemeClr val="accent1"/>
-          </a:effectRef>
-          <a:fontRef idx="minor">
-            <a:schemeClr val="lt1"/>
-          </a:fontRef>
-        </p:style>
-        <p:txBody>
-          <a:bodyPr rtlCol="0" anchor="ctr"/>
-          <a:lstStyle/>
-          <a:p>
-            <a:pPr algn="ctr"/>
-            <a:endParaRPr lang="ko-KR" altLang="en-US" sz="1050" dirty="0">
-              <a:solidFill>
-                <a:schemeClr val="tx1"/>
-              </a:solidFill>
-            </a:endParaRPr>
-          </a:p>
-        </p:txBody>
-      </p:sp>
-      <p:sp>
-        <p:nvSpPr>
-          <p:cNvPr id="64" name="모서리가 둥근 직사각형 63"/>
-          <p:cNvSpPr/>
-          <p:nvPr/>
-        </p:nvSpPr>
-        <p:spPr>
-          <a:xfrm>
-            <a:off x="1555549" y="4705324"/>
-            <a:ext cx="611959" cy="252873"/>
-          </a:xfrm>
-          <a:prstGeom prst="roundRect">
-            <a:avLst>
-              <a:gd name="adj" fmla="val 26688"/>
-            </a:avLst>
-          </a:prstGeom>
-          <a:solidFill>
-            <a:schemeClr val="bg1"/>
-          </a:solidFill>
-          <a:ln>
-            <a:noFill/>
-          </a:ln>
-        </p:spPr>
-        <p:style>
-          <a:lnRef idx="2">
-            <a:schemeClr val="accent1">
-              <a:shade val="50000"/>
-            </a:schemeClr>
-          </a:lnRef>
-          <a:fillRef idx="1">
-            <a:schemeClr val="accent1"/>
-          </a:fillRef>
-          <a:effectRef idx="0">
-            <a:schemeClr val="accent1"/>
-          </a:effectRef>
-          <a:fontRef idx="minor">
-            <a:schemeClr val="lt1"/>
-          </a:fontRef>
-        </p:style>
-        <p:txBody>
-          <a:bodyPr wrap="none" lIns="0" tIns="0" rIns="0" bIns="0" rtlCol="0" anchor="ctr" anchorCtr="1">
-            <a:noAutofit/>
-          </a:bodyPr>
-          <a:lstStyle/>
-          <a:p>
-            <a:pPr algn="dist"/>
-            <a:r>
-              <a:rPr lang="en-US" altLang="ko-KR" sz="900" dirty="0" smtClean="0">
+              </a:endParaRPr>
+            </a:p>
+          </p:txBody>
+        </p:sp>
+        <p:sp>
+          <p:nvSpPr>
+            <p:cNvPr id="63" name="모서리가 둥근 직사각형 62"/>
+            <p:cNvSpPr/>
+            <p:nvPr/>
+          </p:nvSpPr>
+          <p:spPr>
+            <a:xfrm>
+              <a:off x="1555548" y="4461355"/>
+              <a:ext cx="3441421" cy="206848"/>
+            </a:xfrm>
+            <a:prstGeom prst="roundRect">
+              <a:avLst>
+                <a:gd name="adj" fmla="val 50000"/>
+              </a:avLst>
+            </a:prstGeom>
+            <a:solidFill>
+              <a:schemeClr val="bg1"/>
+            </a:solidFill>
+            <a:ln>
+              <a:noFill/>
+            </a:ln>
+          </p:spPr>
+          <p:style>
+            <a:lnRef idx="2">
+              <a:schemeClr val="accent1">
+                <a:shade val="50000"/>
+              </a:schemeClr>
+            </a:lnRef>
+            <a:fillRef idx="1">
+              <a:schemeClr val="accent1"/>
+            </a:fillRef>
+            <a:effectRef idx="0">
+              <a:schemeClr val="accent1"/>
+            </a:effectRef>
+            <a:fontRef idx="minor">
+              <a:schemeClr val="lt1"/>
+            </a:fontRef>
+          </p:style>
+          <p:txBody>
+            <a:bodyPr rtlCol="0" anchor="ctr"/>
+            <a:lstStyle/>
+            <a:p>
+              <a:pPr algn="ctr"/>
+              <a:endParaRPr lang="ko-KR" altLang="en-US" sz="1050" dirty="0">
                 <a:solidFill>
                   <a:schemeClr val="tx1"/>
                 </a:solidFill>
-              </a:rPr>
-              <a:t>content</a:t>
-            </a:r>
-          </a:p>
-        </p:txBody>
-      </p:sp>
-      <p:sp>
-        <p:nvSpPr>
-          <p:cNvPr id="65" name="모서리가 둥근 직사각형 64"/>
-          <p:cNvSpPr/>
-          <p:nvPr/>
-        </p:nvSpPr>
-        <p:spPr>
-          <a:xfrm>
-            <a:off x="3677644" y="4705324"/>
-            <a:ext cx="611959" cy="252873"/>
-          </a:xfrm>
-          <a:prstGeom prst="roundRect">
-            <a:avLst>
-              <a:gd name="adj" fmla="val 26688"/>
-            </a:avLst>
-          </a:prstGeom>
-          <a:solidFill>
-            <a:schemeClr val="bg1"/>
-          </a:solidFill>
-          <a:ln>
-            <a:noFill/>
-          </a:ln>
-        </p:spPr>
-        <p:style>
-          <a:lnRef idx="2">
-            <a:schemeClr val="accent1">
-              <a:shade val="50000"/>
-            </a:schemeClr>
-          </a:lnRef>
-          <a:fillRef idx="1">
-            <a:schemeClr val="accent1"/>
-          </a:fillRef>
-          <a:effectRef idx="0">
-            <a:schemeClr val="accent1"/>
-          </a:effectRef>
-          <a:fontRef idx="minor">
-            <a:schemeClr val="lt1"/>
-          </a:fontRef>
-        </p:style>
-        <p:txBody>
-          <a:bodyPr wrap="none" lIns="0" tIns="0" rIns="0" bIns="0" rtlCol="0" anchor="ctr" anchorCtr="1">
-            <a:noAutofit/>
-          </a:bodyPr>
-          <a:lstStyle/>
-          <a:p>
-            <a:pPr algn="dist"/>
-            <a:endParaRPr lang="en-US" altLang="ko-KR" sz="900" dirty="0" smtClean="0">
-              <a:solidFill>
-                <a:schemeClr val="tx1"/>
-              </a:solidFill>
-            </a:endParaRPr>
-          </a:p>
-        </p:txBody>
-      </p:sp>
-      <p:sp>
-        <p:nvSpPr>
-          <p:cNvPr id="66" name="모서리가 둥근 직사각형 65"/>
-          <p:cNvSpPr/>
-          <p:nvPr/>
-        </p:nvSpPr>
-        <p:spPr>
-          <a:xfrm>
-            <a:off x="2262914" y="4705324"/>
-            <a:ext cx="611959" cy="252873"/>
-          </a:xfrm>
-          <a:prstGeom prst="roundRect">
-            <a:avLst>
-              <a:gd name="adj" fmla="val 26688"/>
-            </a:avLst>
-          </a:prstGeom>
-          <a:solidFill>
-            <a:schemeClr val="bg1"/>
-          </a:solidFill>
-          <a:ln>
-            <a:noFill/>
-          </a:ln>
-        </p:spPr>
-        <p:style>
-          <a:lnRef idx="2">
-            <a:schemeClr val="accent1">
-              <a:shade val="50000"/>
-            </a:schemeClr>
-          </a:lnRef>
-          <a:fillRef idx="1">
-            <a:schemeClr val="accent1"/>
-          </a:fillRef>
-          <a:effectRef idx="0">
-            <a:schemeClr val="accent1"/>
-          </a:effectRef>
-          <a:fontRef idx="minor">
-            <a:schemeClr val="lt1"/>
-          </a:fontRef>
-        </p:style>
-        <p:txBody>
-          <a:bodyPr wrap="none" lIns="0" tIns="0" rIns="0" bIns="0" rtlCol="0" anchor="ctr" anchorCtr="1">
-            <a:noAutofit/>
-          </a:bodyPr>
-          <a:lstStyle/>
-          <a:p>
-            <a:pPr algn="dist"/>
-            <a:endParaRPr lang="en-US" altLang="ko-KR" sz="900" dirty="0" smtClean="0">
-              <a:solidFill>
-                <a:schemeClr val="tx1"/>
-              </a:solidFill>
-            </a:endParaRPr>
-          </a:p>
-        </p:txBody>
-      </p:sp>
-      <p:sp>
-        <p:nvSpPr>
-          <p:cNvPr id="67" name="모서리가 둥근 직사각형 66"/>
-          <p:cNvSpPr/>
-          <p:nvPr/>
-        </p:nvSpPr>
-        <p:spPr>
-          <a:xfrm>
-            <a:off x="2970279" y="4705324"/>
-            <a:ext cx="611959" cy="252873"/>
-          </a:xfrm>
-          <a:prstGeom prst="roundRect">
-            <a:avLst>
-              <a:gd name="adj" fmla="val 26688"/>
-            </a:avLst>
-          </a:prstGeom>
-          <a:solidFill>
-            <a:schemeClr val="bg1"/>
-          </a:solidFill>
-          <a:ln>
-            <a:noFill/>
-          </a:ln>
-        </p:spPr>
-        <p:style>
-          <a:lnRef idx="2">
-            <a:schemeClr val="accent1">
-              <a:shade val="50000"/>
-            </a:schemeClr>
-          </a:lnRef>
-          <a:fillRef idx="1">
-            <a:schemeClr val="accent1"/>
-          </a:fillRef>
-          <a:effectRef idx="0">
-            <a:schemeClr val="accent1"/>
-          </a:effectRef>
-          <a:fontRef idx="minor">
-            <a:schemeClr val="lt1"/>
-          </a:fontRef>
-        </p:style>
-        <p:txBody>
-          <a:bodyPr wrap="none" lIns="0" tIns="0" rIns="0" bIns="0" rtlCol="0" anchor="ctr" anchorCtr="1">
-            <a:noAutofit/>
-          </a:bodyPr>
-          <a:lstStyle/>
-          <a:p>
-            <a:pPr algn="dist"/>
-            <a:endParaRPr lang="en-US" altLang="ko-KR" sz="900" dirty="0" smtClean="0">
-              <a:solidFill>
-                <a:schemeClr val="tx1"/>
-              </a:solidFill>
-            </a:endParaRPr>
-          </a:p>
-        </p:txBody>
-      </p:sp>
-      <p:sp>
-        <p:nvSpPr>
-          <p:cNvPr id="69" name="모서리가 둥근 직사각형 68"/>
-          <p:cNvSpPr/>
-          <p:nvPr/>
-        </p:nvSpPr>
-        <p:spPr>
-          <a:xfrm>
-            <a:off x="1555549" y="4995319"/>
-            <a:ext cx="611959" cy="252873"/>
-          </a:xfrm>
-          <a:prstGeom prst="roundRect">
-            <a:avLst>
-              <a:gd name="adj" fmla="val 26688"/>
-            </a:avLst>
-          </a:prstGeom>
-          <a:solidFill>
-            <a:schemeClr val="bg1"/>
-          </a:solidFill>
-          <a:ln>
-            <a:noFill/>
-          </a:ln>
-        </p:spPr>
-        <p:style>
-          <a:lnRef idx="2">
-            <a:schemeClr val="accent1">
-              <a:shade val="50000"/>
-            </a:schemeClr>
-          </a:lnRef>
-          <a:fillRef idx="1">
-            <a:schemeClr val="accent1"/>
-          </a:fillRef>
-          <a:effectRef idx="0">
-            <a:schemeClr val="accent1"/>
-          </a:effectRef>
-          <a:fontRef idx="minor">
-            <a:schemeClr val="lt1"/>
-          </a:fontRef>
-        </p:style>
-        <p:txBody>
-          <a:bodyPr wrap="none" lIns="0" tIns="0" rIns="0" bIns="0" rtlCol="0" anchor="ctr" anchorCtr="1">
-            <a:noAutofit/>
-          </a:bodyPr>
-          <a:lstStyle/>
-          <a:p>
-            <a:pPr algn="dist"/>
-            <a:endParaRPr lang="en-US" altLang="ko-KR" sz="900" dirty="0" smtClean="0">
-              <a:solidFill>
-                <a:schemeClr val="tx1"/>
-              </a:solidFill>
-            </a:endParaRPr>
-          </a:p>
-        </p:txBody>
-      </p:sp>
-      <p:sp>
-        <p:nvSpPr>
-          <p:cNvPr id="70" name="모서리가 둥근 직사각형 69"/>
-          <p:cNvSpPr/>
-          <p:nvPr/>
-        </p:nvSpPr>
-        <p:spPr>
-          <a:xfrm>
-            <a:off x="3677644" y="4995318"/>
-            <a:ext cx="611959" cy="252873"/>
-          </a:xfrm>
-          <a:prstGeom prst="roundRect">
-            <a:avLst>
-              <a:gd name="adj" fmla="val 26688"/>
-            </a:avLst>
-          </a:prstGeom>
-          <a:solidFill>
-            <a:schemeClr val="bg1"/>
-          </a:solidFill>
-          <a:ln>
-            <a:noFill/>
-          </a:ln>
-        </p:spPr>
-        <p:style>
-          <a:lnRef idx="2">
-            <a:schemeClr val="accent1">
-              <a:shade val="50000"/>
-            </a:schemeClr>
-          </a:lnRef>
-          <a:fillRef idx="1">
-            <a:schemeClr val="accent1"/>
-          </a:fillRef>
-          <a:effectRef idx="0">
-            <a:schemeClr val="accent1"/>
-          </a:effectRef>
-          <a:fontRef idx="minor">
-            <a:schemeClr val="lt1"/>
-          </a:fontRef>
-        </p:style>
-        <p:txBody>
-          <a:bodyPr wrap="none" lIns="0" tIns="0" rIns="0" bIns="0" rtlCol="0" anchor="ctr" anchorCtr="1">
-            <a:noAutofit/>
-          </a:bodyPr>
-          <a:lstStyle/>
-          <a:p>
-            <a:pPr algn="dist"/>
-            <a:endParaRPr lang="en-US" altLang="ko-KR" sz="900" dirty="0" smtClean="0">
-              <a:solidFill>
-                <a:schemeClr val="tx1"/>
-              </a:solidFill>
-            </a:endParaRPr>
-          </a:p>
-        </p:txBody>
-      </p:sp>
-      <p:sp>
-        <p:nvSpPr>
-          <p:cNvPr id="71" name="모서리가 둥근 직사각형 70"/>
-          <p:cNvSpPr/>
-          <p:nvPr/>
-        </p:nvSpPr>
-        <p:spPr>
-          <a:xfrm>
-            <a:off x="2262914" y="4995318"/>
-            <a:ext cx="611959" cy="252873"/>
-          </a:xfrm>
-          <a:prstGeom prst="roundRect">
-            <a:avLst>
-              <a:gd name="adj" fmla="val 26688"/>
-            </a:avLst>
-          </a:prstGeom>
-          <a:solidFill>
-            <a:schemeClr val="bg1"/>
-          </a:solidFill>
-          <a:ln>
-            <a:noFill/>
-          </a:ln>
-        </p:spPr>
-        <p:style>
-          <a:lnRef idx="2">
-            <a:schemeClr val="accent1">
-              <a:shade val="50000"/>
-            </a:schemeClr>
-          </a:lnRef>
-          <a:fillRef idx="1">
-            <a:schemeClr val="accent1"/>
-          </a:fillRef>
-          <a:effectRef idx="0">
-            <a:schemeClr val="accent1"/>
-          </a:effectRef>
-          <a:fontRef idx="minor">
-            <a:schemeClr val="lt1"/>
-          </a:fontRef>
-        </p:style>
-        <p:txBody>
-          <a:bodyPr wrap="none" lIns="0" tIns="0" rIns="0" bIns="0" rtlCol="0" anchor="ctr" anchorCtr="1">
-            <a:noAutofit/>
-          </a:bodyPr>
-          <a:lstStyle/>
-          <a:p>
-            <a:pPr algn="dist"/>
-            <a:endParaRPr lang="en-US" altLang="ko-KR" sz="900" dirty="0" smtClean="0">
-              <a:solidFill>
-                <a:schemeClr val="tx1"/>
-              </a:solidFill>
-            </a:endParaRPr>
-          </a:p>
-        </p:txBody>
-      </p:sp>
-      <p:sp>
-        <p:nvSpPr>
-          <p:cNvPr id="72" name="모서리가 둥근 직사각형 71"/>
-          <p:cNvSpPr/>
-          <p:nvPr/>
-        </p:nvSpPr>
-        <p:spPr>
-          <a:xfrm>
-            <a:off x="2970279" y="4995318"/>
-            <a:ext cx="611959" cy="252873"/>
-          </a:xfrm>
-          <a:prstGeom prst="roundRect">
-            <a:avLst>
-              <a:gd name="adj" fmla="val 26688"/>
-            </a:avLst>
-          </a:prstGeom>
-          <a:solidFill>
-            <a:schemeClr val="bg1"/>
-          </a:solidFill>
-          <a:ln>
-            <a:noFill/>
-          </a:ln>
-        </p:spPr>
-        <p:style>
-          <a:lnRef idx="2">
-            <a:schemeClr val="accent1">
-              <a:shade val="50000"/>
-            </a:schemeClr>
-          </a:lnRef>
-          <a:fillRef idx="1">
-            <a:schemeClr val="accent1"/>
-          </a:fillRef>
-          <a:effectRef idx="0">
-            <a:schemeClr val="accent1"/>
-          </a:effectRef>
-          <a:fontRef idx="minor">
-            <a:schemeClr val="lt1"/>
-          </a:fontRef>
-        </p:style>
-        <p:txBody>
-          <a:bodyPr wrap="none" lIns="0" tIns="0" rIns="0" bIns="0" rtlCol="0" anchor="ctr" anchorCtr="1">
-            <a:noAutofit/>
-          </a:bodyPr>
-          <a:lstStyle/>
-          <a:p>
-            <a:pPr algn="dist"/>
-            <a:endParaRPr lang="en-US" altLang="ko-KR" sz="900" dirty="0" smtClean="0">
-              <a:solidFill>
-                <a:schemeClr val="tx1"/>
-              </a:solidFill>
-            </a:endParaRPr>
-          </a:p>
-        </p:txBody>
-      </p:sp>
-      <p:sp>
-        <p:nvSpPr>
-          <p:cNvPr id="74" name="모서리가 둥근 직사각형 73"/>
-          <p:cNvSpPr/>
-          <p:nvPr/>
-        </p:nvSpPr>
-        <p:spPr>
-          <a:xfrm>
-            <a:off x="1555549" y="5285313"/>
-            <a:ext cx="611959" cy="252873"/>
-          </a:xfrm>
-          <a:prstGeom prst="roundRect">
-            <a:avLst>
-              <a:gd name="adj" fmla="val 26688"/>
-            </a:avLst>
-          </a:prstGeom>
-          <a:solidFill>
-            <a:schemeClr val="bg1"/>
-          </a:solidFill>
-          <a:ln>
-            <a:noFill/>
-          </a:ln>
-        </p:spPr>
-        <p:style>
-          <a:lnRef idx="2">
-            <a:schemeClr val="accent1">
-              <a:shade val="50000"/>
-            </a:schemeClr>
-          </a:lnRef>
-          <a:fillRef idx="1">
-            <a:schemeClr val="accent1"/>
-          </a:fillRef>
-          <a:effectRef idx="0">
-            <a:schemeClr val="accent1"/>
-          </a:effectRef>
-          <a:fontRef idx="minor">
-            <a:schemeClr val="lt1"/>
-          </a:fontRef>
-        </p:style>
-        <p:txBody>
-          <a:bodyPr wrap="none" lIns="0" tIns="0" rIns="0" bIns="0" rtlCol="0" anchor="ctr" anchorCtr="1">
-            <a:noAutofit/>
-          </a:bodyPr>
-          <a:lstStyle/>
-          <a:p>
-            <a:pPr algn="dist"/>
-            <a:endParaRPr lang="en-US" altLang="ko-KR" sz="900" dirty="0" smtClean="0">
-              <a:solidFill>
-                <a:schemeClr val="tx1"/>
-              </a:solidFill>
-            </a:endParaRPr>
-          </a:p>
-        </p:txBody>
-      </p:sp>
-      <p:sp>
-        <p:nvSpPr>
-          <p:cNvPr id="75" name="모서리가 둥근 직사각형 74"/>
-          <p:cNvSpPr/>
-          <p:nvPr/>
-        </p:nvSpPr>
-        <p:spPr>
-          <a:xfrm>
-            <a:off x="3677644" y="5285312"/>
-            <a:ext cx="611959" cy="252873"/>
-          </a:xfrm>
-          <a:prstGeom prst="roundRect">
-            <a:avLst>
-              <a:gd name="adj" fmla="val 26688"/>
-            </a:avLst>
-          </a:prstGeom>
-          <a:solidFill>
-            <a:schemeClr val="bg1"/>
-          </a:solidFill>
-          <a:ln>
-            <a:noFill/>
-          </a:ln>
-        </p:spPr>
-        <p:style>
-          <a:lnRef idx="2">
-            <a:schemeClr val="accent1">
-              <a:shade val="50000"/>
-            </a:schemeClr>
-          </a:lnRef>
-          <a:fillRef idx="1">
-            <a:schemeClr val="accent1"/>
-          </a:fillRef>
-          <a:effectRef idx="0">
-            <a:schemeClr val="accent1"/>
-          </a:effectRef>
-          <a:fontRef idx="minor">
-            <a:schemeClr val="lt1"/>
-          </a:fontRef>
-        </p:style>
-        <p:txBody>
-          <a:bodyPr wrap="none" lIns="0" tIns="0" rIns="0" bIns="0" rtlCol="0" anchor="ctr" anchorCtr="1">
-            <a:noAutofit/>
-          </a:bodyPr>
-          <a:lstStyle/>
-          <a:p>
-            <a:pPr algn="dist"/>
-            <a:endParaRPr lang="en-US" altLang="ko-KR" sz="900" dirty="0" smtClean="0">
-              <a:solidFill>
-                <a:schemeClr val="tx1"/>
-              </a:solidFill>
-            </a:endParaRPr>
-          </a:p>
-        </p:txBody>
-      </p:sp>
-      <p:sp>
-        <p:nvSpPr>
-          <p:cNvPr id="76" name="모서리가 둥근 직사각형 75"/>
-          <p:cNvSpPr/>
-          <p:nvPr/>
-        </p:nvSpPr>
-        <p:spPr>
-          <a:xfrm>
-            <a:off x="2262914" y="5285312"/>
-            <a:ext cx="611959" cy="252873"/>
-          </a:xfrm>
-          <a:prstGeom prst="roundRect">
-            <a:avLst>
-              <a:gd name="adj" fmla="val 26688"/>
-            </a:avLst>
-          </a:prstGeom>
-          <a:solidFill>
-            <a:schemeClr val="bg1"/>
-          </a:solidFill>
-          <a:ln>
-            <a:noFill/>
-          </a:ln>
-        </p:spPr>
-        <p:style>
-          <a:lnRef idx="2">
-            <a:schemeClr val="accent1">
-              <a:shade val="50000"/>
-            </a:schemeClr>
-          </a:lnRef>
-          <a:fillRef idx="1">
-            <a:schemeClr val="accent1"/>
-          </a:fillRef>
-          <a:effectRef idx="0">
-            <a:schemeClr val="accent1"/>
-          </a:effectRef>
-          <a:fontRef idx="minor">
-            <a:schemeClr val="lt1"/>
-          </a:fontRef>
-        </p:style>
-        <p:txBody>
-          <a:bodyPr wrap="none" lIns="0" tIns="0" rIns="0" bIns="0" rtlCol="0" anchor="ctr" anchorCtr="1">
-            <a:noAutofit/>
-          </a:bodyPr>
-          <a:lstStyle/>
-          <a:p>
-            <a:pPr algn="dist"/>
-            <a:endParaRPr lang="en-US" altLang="ko-KR" sz="900" dirty="0" smtClean="0">
-              <a:solidFill>
-                <a:schemeClr val="tx1"/>
-              </a:solidFill>
-            </a:endParaRPr>
-          </a:p>
-        </p:txBody>
-      </p:sp>
-      <p:sp>
-        <p:nvSpPr>
-          <p:cNvPr id="77" name="모서리가 둥근 직사각형 76"/>
-          <p:cNvSpPr/>
-          <p:nvPr/>
-        </p:nvSpPr>
-        <p:spPr>
-          <a:xfrm>
-            <a:off x="2970279" y="5285312"/>
-            <a:ext cx="611959" cy="252873"/>
-          </a:xfrm>
-          <a:prstGeom prst="roundRect">
-            <a:avLst>
-              <a:gd name="adj" fmla="val 26688"/>
-            </a:avLst>
-          </a:prstGeom>
-          <a:solidFill>
-            <a:schemeClr val="bg1"/>
-          </a:solidFill>
-          <a:ln>
-            <a:noFill/>
-          </a:ln>
-        </p:spPr>
-        <p:style>
-          <a:lnRef idx="2">
-            <a:schemeClr val="accent1">
-              <a:shade val="50000"/>
-            </a:schemeClr>
-          </a:lnRef>
-          <a:fillRef idx="1">
-            <a:schemeClr val="accent1"/>
-          </a:fillRef>
-          <a:effectRef idx="0">
-            <a:schemeClr val="accent1"/>
-          </a:effectRef>
-          <a:fontRef idx="minor">
-            <a:schemeClr val="lt1"/>
-          </a:fontRef>
-        </p:style>
-        <p:txBody>
-          <a:bodyPr wrap="none" lIns="0" tIns="0" rIns="0" bIns="0" rtlCol="0" anchor="ctr" anchorCtr="1">
-            <a:noAutofit/>
-          </a:bodyPr>
-          <a:lstStyle/>
-          <a:p>
-            <a:pPr algn="dist"/>
-            <a:endParaRPr lang="en-US" altLang="ko-KR" sz="900" dirty="0" smtClean="0">
-              <a:solidFill>
-                <a:schemeClr val="tx1"/>
-              </a:solidFill>
-            </a:endParaRPr>
-          </a:p>
-        </p:txBody>
-      </p:sp>
-      <p:sp>
-        <p:nvSpPr>
-          <p:cNvPr id="79" name="모서리가 둥근 직사각형 78"/>
-          <p:cNvSpPr/>
-          <p:nvPr/>
-        </p:nvSpPr>
-        <p:spPr>
-          <a:xfrm flipH="1" flipV="1">
-            <a:off x="3205310" y="5575307"/>
-            <a:ext cx="141898" cy="63509"/>
-          </a:xfrm>
-          <a:prstGeom prst="roundRect">
-            <a:avLst>
-              <a:gd name="adj" fmla="val 50000"/>
-            </a:avLst>
-          </a:prstGeom>
-          <a:solidFill>
-            <a:schemeClr val="bg1"/>
-          </a:solidFill>
-          <a:ln>
-            <a:noFill/>
-          </a:ln>
-        </p:spPr>
-        <p:style>
-          <a:lnRef idx="2">
-            <a:schemeClr val="accent1">
-              <a:shade val="50000"/>
-            </a:schemeClr>
-          </a:lnRef>
-          <a:fillRef idx="1">
-            <a:schemeClr val="accent1"/>
-          </a:fillRef>
-          <a:effectRef idx="0">
-            <a:schemeClr val="accent1"/>
-          </a:effectRef>
-          <a:fontRef idx="minor">
-            <a:schemeClr val="lt1"/>
-          </a:fontRef>
-        </p:style>
-        <p:txBody>
-          <a:bodyPr wrap="none" lIns="0" tIns="0" rIns="0" bIns="0" rtlCol="0" anchor="ctr" anchorCtr="1">
-            <a:noAutofit/>
-          </a:bodyPr>
-          <a:lstStyle/>
-          <a:p>
-            <a:pPr algn="dist"/>
-            <a:endParaRPr lang="en-US" altLang="ko-KR" sz="900" dirty="0" smtClean="0">
-              <a:solidFill>
-                <a:schemeClr val="tx1"/>
-              </a:solidFill>
-            </a:endParaRPr>
-          </a:p>
-        </p:txBody>
-      </p:sp>
-      <p:sp>
-        <p:nvSpPr>
-          <p:cNvPr id="80" name="모서리가 둥근 직사각형 79"/>
-          <p:cNvSpPr/>
-          <p:nvPr/>
-        </p:nvSpPr>
-        <p:spPr>
-          <a:xfrm flipH="1" flipV="1">
-            <a:off x="3205310" y="5657872"/>
-            <a:ext cx="141898" cy="63509"/>
-          </a:xfrm>
-          <a:prstGeom prst="roundRect">
-            <a:avLst>
-              <a:gd name="adj" fmla="val 50000"/>
-            </a:avLst>
-          </a:prstGeom>
-          <a:solidFill>
-            <a:schemeClr val="bg1"/>
-          </a:solidFill>
-          <a:ln>
-            <a:noFill/>
-          </a:ln>
-        </p:spPr>
-        <p:style>
-          <a:lnRef idx="2">
-            <a:schemeClr val="accent1">
-              <a:shade val="50000"/>
-            </a:schemeClr>
-          </a:lnRef>
-          <a:fillRef idx="1">
-            <a:schemeClr val="accent1"/>
-          </a:fillRef>
-          <a:effectRef idx="0">
-            <a:schemeClr val="accent1"/>
-          </a:effectRef>
-          <a:fontRef idx="minor">
-            <a:schemeClr val="lt1"/>
-          </a:fontRef>
-        </p:style>
-        <p:txBody>
-          <a:bodyPr wrap="none" lIns="0" tIns="0" rIns="0" bIns="0" rtlCol="0" anchor="ctr" anchorCtr="1">
-            <a:noAutofit/>
-          </a:bodyPr>
-          <a:lstStyle/>
-          <a:p>
-            <a:pPr algn="dist"/>
-            <a:endParaRPr lang="en-US" altLang="ko-KR" sz="900" dirty="0" smtClean="0">
-              <a:solidFill>
-                <a:schemeClr val="tx1"/>
-              </a:solidFill>
-            </a:endParaRPr>
-          </a:p>
-        </p:txBody>
-      </p:sp>
-      <p:sp>
-        <p:nvSpPr>
-          <p:cNvPr id="82" name="모서리가 둥근 직사각형 81"/>
-          <p:cNvSpPr/>
-          <p:nvPr/>
-        </p:nvSpPr>
-        <p:spPr>
-          <a:xfrm>
-            <a:off x="4342903" y="4733364"/>
-            <a:ext cx="611960" cy="832862"/>
-          </a:xfrm>
-          <a:prstGeom prst="roundRect">
-            <a:avLst>
-              <a:gd name="adj" fmla="val 16062"/>
-            </a:avLst>
-          </a:prstGeom>
-          <a:solidFill>
-            <a:schemeClr val="bg1"/>
-          </a:solidFill>
-          <a:ln>
-            <a:noFill/>
-          </a:ln>
-        </p:spPr>
-        <p:style>
-          <a:lnRef idx="2">
-            <a:schemeClr val="accent1">
-              <a:shade val="50000"/>
-            </a:schemeClr>
-          </a:lnRef>
-          <a:fillRef idx="1">
-            <a:schemeClr val="accent1"/>
-          </a:fillRef>
-          <a:effectRef idx="0">
-            <a:schemeClr val="accent1"/>
-          </a:effectRef>
-          <a:fontRef idx="minor">
-            <a:schemeClr val="lt1"/>
-          </a:fontRef>
-        </p:style>
-        <p:txBody>
-          <a:bodyPr wrap="none" lIns="0" tIns="0" rIns="0" bIns="0" rtlCol="0" anchor="ctr" anchorCtr="1">
-            <a:noAutofit/>
-          </a:bodyPr>
-          <a:lstStyle/>
-          <a:p>
-            <a:pPr algn="dist"/>
-            <a:r>
-              <a:rPr lang="en-US" altLang="ko-KR" sz="900" dirty="0" smtClean="0">
+              </a:endParaRPr>
+            </a:p>
+          </p:txBody>
+        </p:sp>
+        <p:sp>
+          <p:nvSpPr>
+            <p:cNvPr id="64" name="모서리가 둥근 직사각형 63"/>
+            <p:cNvSpPr/>
+            <p:nvPr/>
+          </p:nvSpPr>
+          <p:spPr>
+            <a:xfrm>
+              <a:off x="1555549" y="4705324"/>
+              <a:ext cx="611959" cy="252873"/>
+            </a:xfrm>
+            <a:prstGeom prst="roundRect">
+              <a:avLst>
+                <a:gd name="adj" fmla="val 26688"/>
+              </a:avLst>
+            </a:prstGeom>
+            <a:solidFill>
+              <a:schemeClr val="bg1"/>
+            </a:solidFill>
+            <a:ln>
+              <a:noFill/>
+            </a:ln>
+          </p:spPr>
+          <p:style>
+            <a:lnRef idx="2">
+              <a:schemeClr val="accent1">
+                <a:shade val="50000"/>
+              </a:schemeClr>
+            </a:lnRef>
+            <a:fillRef idx="1">
+              <a:schemeClr val="accent1"/>
+            </a:fillRef>
+            <a:effectRef idx="0">
+              <a:schemeClr val="accent1"/>
+            </a:effectRef>
+            <a:fontRef idx="minor">
+              <a:schemeClr val="lt1"/>
+            </a:fontRef>
+          </p:style>
+          <p:txBody>
+            <a:bodyPr wrap="none" lIns="0" tIns="0" rIns="0" bIns="0" rtlCol="0" anchor="ctr" anchorCtr="1">
+              <a:noAutofit/>
+            </a:bodyPr>
+            <a:lstStyle/>
+            <a:p>
+              <a:pPr algn="dist"/>
+              <a:r>
+                <a:rPr lang="en-US" altLang="ko-KR" sz="900" dirty="0" smtClean="0">
+                  <a:solidFill>
+                    <a:schemeClr val="tx1"/>
+                  </a:solidFill>
+                </a:rPr>
+                <a:t>content</a:t>
+              </a:r>
+            </a:p>
+          </p:txBody>
+        </p:sp>
+        <p:sp>
+          <p:nvSpPr>
+            <p:cNvPr id="65" name="모서리가 둥근 직사각형 64"/>
+            <p:cNvSpPr/>
+            <p:nvPr/>
+          </p:nvSpPr>
+          <p:spPr>
+            <a:xfrm>
+              <a:off x="3677644" y="4705324"/>
+              <a:ext cx="611959" cy="252873"/>
+            </a:xfrm>
+            <a:prstGeom prst="roundRect">
+              <a:avLst>
+                <a:gd name="adj" fmla="val 26688"/>
+              </a:avLst>
+            </a:prstGeom>
+            <a:solidFill>
+              <a:schemeClr val="bg1"/>
+            </a:solidFill>
+            <a:ln>
+              <a:noFill/>
+            </a:ln>
+          </p:spPr>
+          <p:style>
+            <a:lnRef idx="2">
+              <a:schemeClr val="accent1">
+                <a:shade val="50000"/>
+              </a:schemeClr>
+            </a:lnRef>
+            <a:fillRef idx="1">
+              <a:schemeClr val="accent1"/>
+            </a:fillRef>
+            <a:effectRef idx="0">
+              <a:schemeClr val="accent1"/>
+            </a:effectRef>
+            <a:fontRef idx="minor">
+              <a:schemeClr val="lt1"/>
+            </a:fontRef>
+          </p:style>
+          <p:txBody>
+            <a:bodyPr wrap="none" lIns="0" tIns="0" rIns="0" bIns="0" rtlCol="0" anchor="ctr" anchorCtr="1">
+              <a:noAutofit/>
+            </a:bodyPr>
+            <a:lstStyle/>
+            <a:p>
+              <a:pPr algn="dist"/>
+              <a:endParaRPr lang="en-US" altLang="ko-KR" sz="900" dirty="0" smtClean="0">
                 <a:solidFill>
                   <a:schemeClr val="tx1"/>
                 </a:solidFill>
-              </a:rPr>
-              <a:t>banner</a:t>
-            </a:r>
-          </a:p>
-        </p:txBody>
-      </p:sp>
+              </a:endParaRPr>
+            </a:p>
+          </p:txBody>
+        </p:sp>
+        <p:sp>
+          <p:nvSpPr>
+            <p:cNvPr id="66" name="모서리가 둥근 직사각형 65"/>
+            <p:cNvSpPr/>
+            <p:nvPr/>
+          </p:nvSpPr>
+          <p:spPr>
+            <a:xfrm>
+              <a:off x="2262914" y="4705324"/>
+              <a:ext cx="611959" cy="252873"/>
+            </a:xfrm>
+            <a:prstGeom prst="roundRect">
+              <a:avLst>
+                <a:gd name="adj" fmla="val 26688"/>
+              </a:avLst>
+            </a:prstGeom>
+            <a:solidFill>
+              <a:schemeClr val="bg1"/>
+            </a:solidFill>
+            <a:ln>
+              <a:noFill/>
+            </a:ln>
+          </p:spPr>
+          <p:style>
+            <a:lnRef idx="2">
+              <a:schemeClr val="accent1">
+                <a:shade val="50000"/>
+              </a:schemeClr>
+            </a:lnRef>
+            <a:fillRef idx="1">
+              <a:schemeClr val="accent1"/>
+            </a:fillRef>
+            <a:effectRef idx="0">
+              <a:schemeClr val="accent1"/>
+            </a:effectRef>
+            <a:fontRef idx="minor">
+              <a:schemeClr val="lt1"/>
+            </a:fontRef>
+          </p:style>
+          <p:txBody>
+            <a:bodyPr wrap="none" lIns="0" tIns="0" rIns="0" bIns="0" rtlCol="0" anchor="ctr" anchorCtr="1">
+              <a:noAutofit/>
+            </a:bodyPr>
+            <a:lstStyle/>
+            <a:p>
+              <a:pPr algn="dist"/>
+              <a:endParaRPr lang="en-US" altLang="ko-KR" sz="900" dirty="0" smtClean="0">
+                <a:solidFill>
+                  <a:schemeClr val="tx1"/>
+                </a:solidFill>
+              </a:endParaRPr>
+            </a:p>
+          </p:txBody>
+        </p:sp>
+        <p:sp>
+          <p:nvSpPr>
+            <p:cNvPr id="67" name="모서리가 둥근 직사각형 66"/>
+            <p:cNvSpPr/>
+            <p:nvPr/>
+          </p:nvSpPr>
+          <p:spPr>
+            <a:xfrm>
+              <a:off x="2970279" y="4705324"/>
+              <a:ext cx="611959" cy="252873"/>
+            </a:xfrm>
+            <a:prstGeom prst="roundRect">
+              <a:avLst>
+                <a:gd name="adj" fmla="val 26688"/>
+              </a:avLst>
+            </a:prstGeom>
+            <a:solidFill>
+              <a:schemeClr val="bg1"/>
+            </a:solidFill>
+            <a:ln>
+              <a:noFill/>
+            </a:ln>
+          </p:spPr>
+          <p:style>
+            <a:lnRef idx="2">
+              <a:schemeClr val="accent1">
+                <a:shade val="50000"/>
+              </a:schemeClr>
+            </a:lnRef>
+            <a:fillRef idx="1">
+              <a:schemeClr val="accent1"/>
+            </a:fillRef>
+            <a:effectRef idx="0">
+              <a:schemeClr val="accent1"/>
+            </a:effectRef>
+            <a:fontRef idx="minor">
+              <a:schemeClr val="lt1"/>
+            </a:fontRef>
+          </p:style>
+          <p:txBody>
+            <a:bodyPr wrap="none" lIns="0" tIns="0" rIns="0" bIns="0" rtlCol="0" anchor="ctr" anchorCtr="1">
+              <a:noAutofit/>
+            </a:bodyPr>
+            <a:lstStyle/>
+            <a:p>
+              <a:pPr algn="dist"/>
+              <a:endParaRPr lang="en-US" altLang="ko-KR" sz="900" dirty="0" smtClean="0">
+                <a:solidFill>
+                  <a:schemeClr val="tx1"/>
+                </a:solidFill>
+              </a:endParaRPr>
+            </a:p>
+          </p:txBody>
+        </p:sp>
+        <p:sp>
+          <p:nvSpPr>
+            <p:cNvPr id="69" name="모서리가 둥근 직사각형 68"/>
+            <p:cNvSpPr/>
+            <p:nvPr/>
+          </p:nvSpPr>
+          <p:spPr>
+            <a:xfrm>
+              <a:off x="1555549" y="4995319"/>
+              <a:ext cx="611959" cy="252873"/>
+            </a:xfrm>
+            <a:prstGeom prst="roundRect">
+              <a:avLst>
+                <a:gd name="adj" fmla="val 26688"/>
+              </a:avLst>
+            </a:prstGeom>
+            <a:solidFill>
+              <a:schemeClr val="bg1"/>
+            </a:solidFill>
+            <a:ln>
+              <a:noFill/>
+            </a:ln>
+          </p:spPr>
+          <p:style>
+            <a:lnRef idx="2">
+              <a:schemeClr val="accent1">
+                <a:shade val="50000"/>
+              </a:schemeClr>
+            </a:lnRef>
+            <a:fillRef idx="1">
+              <a:schemeClr val="accent1"/>
+            </a:fillRef>
+            <a:effectRef idx="0">
+              <a:schemeClr val="accent1"/>
+            </a:effectRef>
+            <a:fontRef idx="minor">
+              <a:schemeClr val="lt1"/>
+            </a:fontRef>
+          </p:style>
+          <p:txBody>
+            <a:bodyPr wrap="none" lIns="0" tIns="0" rIns="0" bIns="0" rtlCol="0" anchor="ctr" anchorCtr="1">
+              <a:noAutofit/>
+            </a:bodyPr>
+            <a:lstStyle/>
+            <a:p>
+              <a:pPr algn="dist"/>
+              <a:endParaRPr lang="en-US" altLang="ko-KR" sz="900" dirty="0" smtClean="0">
+                <a:solidFill>
+                  <a:schemeClr val="tx1"/>
+                </a:solidFill>
+              </a:endParaRPr>
+            </a:p>
+          </p:txBody>
+        </p:sp>
+        <p:sp>
+          <p:nvSpPr>
+            <p:cNvPr id="70" name="모서리가 둥근 직사각형 69"/>
+            <p:cNvSpPr/>
+            <p:nvPr/>
+          </p:nvSpPr>
+          <p:spPr>
+            <a:xfrm>
+              <a:off x="3677644" y="4995318"/>
+              <a:ext cx="611959" cy="252873"/>
+            </a:xfrm>
+            <a:prstGeom prst="roundRect">
+              <a:avLst>
+                <a:gd name="adj" fmla="val 26688"/>
+              </a:avLst>
+            </a:prstGeom>
+            <a:solidFill>
+              <a:schemeClr val="bg1"/>
+            </a:solidFill>
+            <a:ln>
+              <a:noFill/>
+            </a:ln>
+          </p:spPr>
+          <p:style>
+            <a:lnRef idx="2">
+              <a:schemeClr val="accent1">
+                <a:shade val="50000"/>
+              </a:schemeClr>
+            </a:lnRef>
+            <a:fillRef idx="1">
+              <a:schemeClr val="accent1"/>
+            </a:fillRef>
+            <a:effectRef idx="0">
+              <a:schemeClr val="accent1"/>
+            </a:effectRef>
+            <a:fontRef idx="minor">
+              <a:schemeClr val="lt1"/>
+            </a:fontRef>
+          </p:style>
+          <p:txBody>
+            <a:bodyPr wrap="none" lIns="0" tIns="0" rIns="0" bIns="0" rtlCol="0" anchor="ctr" anchorCtr="1">
+              <a:noAutofit/>
+            </a:bodyPr>
+            <a:lstStyle/>
+            <a:p>
+              <a:pPr algn="dist"/>
+              <a:endParaRPr lang="en-US" altLang="ko-KR" sz="900" dirty="0" smtClean="0">
+                <a:solidFill>
+                  <a:schemeClr val="tx1"/>
+                </a:solidFill>
+              </a:endParaRPr>
+            </a:p>
+          </p:txBody>
+        </p:sp>
+        <p:sp>
+          <p:nvSpPr>
+            <p:cNvPr id="71" name="모서리가 둥근 직사각형 70"/>
+            <p:cNvSpPr/>
+            <p:nvPr/>
+          </p:nvSpPr>
+          <p:spPr>
+            <a:xfrm>
+              <a:off x="2262914" y="4995318"/>
+              <a:ext cx="611959" cy="252873"/>
+            </a:xfrm>
+            <a:prstGeom prst="roundRect">
+              <a:avLst>
+                <a:gd name="adj" fmla="val 26688"/>
+              </a:avLst>
+            </a:prstGeom>
+            <a:solidFill>
+              <a:schemeClr val="bg1"/>
+            </a:solidFill>
+            <a:ln>
+              <a:noFill/>
+            </a:ln>
+          </p:spPr>
+          <p:style>
+            <a:lnRef idx="2">
+              <a:schemeClr val="accent1">
+                <a:shade val="50000"/>
+              </a:schemeClr>
+            </a:lnRef>
+            <a:fillRef idx="1">
+              <a:schemeClr val="accent1"/>
+            </a:fillRef>
+            <a:effectRef idx="0">
+              <a:schemeClr val="accent1"/>
+            </a:effectRef>
+            <a:fontRef idx="minor">
+              <a:schemeClr val="lt1"/>
+            </a:fontRef>
+          </p:style>
+          <p:txBody>
+            <a:bodyPr wrap="none" lIns="0" tIns="0" rIns="0" bIns="0" rtlCol="0" anchor="ctr" anchorCtr="1">
+              <a:noAutofit/>
+            </a:bodyPr>
+            <a:lstStyle/>
+            <a:p>
+              <a:pPr algn="dist"/>
+              <a:endParaRPr lang="en-US" altLang="ko-KR" sz="900" dirty="0" smtClean="0">
+                <a:solidFill>
+                  <a:schemeClr val="tx1"/>
+                </a:solidFill>
+              </a:endParaRPr>
+            </a:p>
+          </p:txBody>
+        </p:sp>
+        <p:sp>
+          <p:nvSpPr>
+            <p:cNvPr id="72" name="모서리가 둥근 직사각형 71"/>
+            <p:cNvSpPr/>
+            <p:nvPr/>
+          </p:nvSpPr>
+          <p:spPr>
+            <a:xfrm>
+              <a:off x="2970279" y="4995318"/>
+              <a:ext cx="611959" cy="252873"/>
+            </a:xfrm>
+            <a:prstGeom prst="roundRect">
+              <a:avLst>
+                <a:gd name="adj" fmla="val 26688"/>
+              </a:avLst>
+            </a:prstGeom>
+            <a:solidFill>
+              <a:schemeClr val="bg1"/>
+            </a:solidFill>
+            <a:ln>
+              <a:noFill/>
+            </a:ln>
+          </p:spPr>
+          <p:style>
+            <a:lnRef idx="2">
+              <a:schemeClr val="accent1">
+                <a:shade val="50000"/>
+              </a:schemeClr>
+            </a:lnRef>
+            <a:fillRef idx="1">
+              <a:schemeClr val="accent1"/>
+            </a:fillRef>
+            <a:effectRef idx="0">
+              <a:schemeClr val="accent1"/>
+            </a:effectRef>
+            <a:fontRef idx="minor">
+              <a:schemeClr val="lt1"/>
+            </a:fontRef>
+          </p:style>
+          <p:txBody>
+            <a:bodyPr wrap="none" lIns="0" tIns="0" rIns="0" bIns="0" rtlCol="0" anchor="ctr" anchorCtr="1">
+              <a:noAutofit/>
+            </a:bodyPr>
+            <a:lstStyle/>
+            <a:p>
+              <a:pPr algn="dist"/>
+              <a:endParaRPr lang="en-US" altLang="ko-KR" sz="900" dirty="0" smtClean="0">
+                <a:solidFill>
+                  <a:schemeClr val="tx1"/>
+                </a:solidFill>
+              </a:endParaRPr>
+            </a:p>
+          </p:txBody>
+        </p:sp>
+        <p:sp>
+          <p:nvSpPr>
+            <p:cNvPr id="74" name="모서리가 둥근 직사각형 73"/>
+            <p:cNvSpPr/>
+            <p:nvPr/>
+          </p:nvSpPr>
+          <p:spPr>
+            <a:xfrm>
+              <a:off x="1555549" y="5285313"/>
+              <a:ext cx="611959" cy="252873"/>
+            </a:xfrm>
+            <a:prstGeom prst="roundRect">
+              <a:avLst>
+                <a:gd name="adj" fmla="val 26688"/>
+              </a:avLst>
+            </a:prstGeom>
+            <a:solidFill>
+              <a:schemeClr val="bg1"/>
+            </a:solidFill>
+            <a:ln>
+              <a:noFill/>
+            </a:ln>
+          </p:spPr>
+          <p:style>
+            <a:lnRef idx="2">
+              <a:schemeClr val="accent1">
+                <a:shade val="50000"/>
+              </a:schemeClr>
+            </a:lnRef>
+            <a:fillRef idx="1">
+              <a:schemeClr val="accent1"/>
+            </a:fillRef>
+            <a:effectRef idx="0">
+              <a:schemeClr val="accent1"/>
+            </a:effectRef>
+            <a:fontRef idx="minor">
+              <a:schemeClr val="lt1"/>
+            </a:fontRef>
+          </p:style>
+          <p:txBody>
+            <a:bodyPr wrap="none" lIns="0" tIns="0" rIns="0" bIns="0" rtlCol="0" anchor="ctr" anchorCtr="1">
+              <a:noAutofit/>
+            </a:bodyPr>
+            <a:lstStyle/>
+            <a:p>
+              <a:pPr algn="dist"/>
+              <a:endParaRPr lang="en-US" altLang="ko-KR" sz="900" dirty="0" smtClean="0">
+                <a:solidFill>
+                  <a:schemeClr val="tx1"/>
+                </a:solidFill>
+              </a:endParaRPr>
+            </a:p>
+          </p:txBody>
+        </p:sp>
+        <p:sp>
+          <p:nvSpPr>
+            <p:cNvPr id="75" name="모서리가 둥근 직사각형 74"/>
+            <p:cNvSpPr/>
+            <p:nvPr/>
+          </p:nvSpPr>
+          <p:spPr>
+            <a:xfrm>
+              <a:off x="3677644" y="5285312"/>
+              <a:ext cx="611959" cy="252873"/>
+            </a:xfrm>
+            <a:prstGeom prst="roundRect">
+              <a:avLst>
+                <a:gd name="adj" fmla="val 26688"/>
+              </a:avLst>
+            </a:prstGeom>
+            <a:solidFill>
+              <a:schemeClr val="bg1"/>
+            </a:solidFill>
+            <a:ln>
+              <a:noFill/>
+            </a:ln>
+          </p:spPr>
+          <p:style>
+            <a:lnRef idx="2">
+              <a:schemeClr val="accent1">
+                <a:shade val="50000"/>
+              </a:schemeClr>
+            </a:lnRef>
+            <a:fillRef idx="1">
+              <a:schemeClr val="accent1"/>
+            </a:fillRef>
+            <a:effectRef idx="0">
+              <a:schemeClr val="accent1"/>
+            </a:effectRef>
+            <a:fontRef idx="minor">
+              <a:schemeClr val="lt1"/>
+            </a:fontRef>
+          </p:style>
+          <p:txBody>
+            <a:bodyPr wrap="none" lIns="0" tIns="0" rIns="0" bIns="0" rtlCol="0" anchor="ctr" anchorCtr="1">
+              <a:noAutofit/>
+            </a:bodyPr>
+            <a:lstStyle/>
+            <a:p>
+              <a:pPr algn="dist"/>
+              <a:endParaRPr lang="en-US" altLang="ko-KR" sz="900" dirty="0" smtClean="0">
+                <a:solidFill>
+                  <a:schemeClr val="tx1"/>
+                </a:solidFill>
+              </a:endParaRPr>
+            </a:p>
+          </p:txBody>
+        </p:sp>
+        <p:sp>
+          <p:nvSpPr>
+            <p:cNvPr id="76" name="모서리가 둥근 직사각형 75"/>
+            <p:cNvSpPr/>
+            <p:nvPr/>
+          </p:nvSpPr>
+          <p:spPr>
+            <a:xfrm>
+              <a:off x="2262914" y="5285312"/>
+              <a:ext cx="611959" cy="252873"/>
+            </a:xfrm>
+            <a:prstGeom prst="roundRect">
+              <a:avLst>
+                <a:gd name="adj" fmla="val 26688"/>
+              </a:avLst>
+            </a:prstGeom>
+            <a:solidFill>
+              <a:schemeClr val="bg1"/>
+            </a:solidFill>
+            <a:ln>
+              <a:noFill/>
+            </a:ln>
+          </p:spPr>
+          <p:style>
+            <a:lnRef idx="2">
+              <a:schemeClr val="accent1">
+                <a:shade val="50000"/>
+              </a:schemeClr>
+            </a:lnRef>
+            <a:fillRef idx="1">
+              <a:schemeClr val="accent1"/>
+            </a:fillRef>
+            <a:effectRef idx="0">
+              <a:schemeClr val="accent1"/>
+            </a:effectRef>
+            <a:fontRef idx="minor">
+              <a:schemeClr val="lt1"/>
+            </a:fontRef>
+          </p:style>
+          <p:txBody>
+            <a:bodyPr wrap="none" lIns="0" tIns="0" rIns="0" bIns="0" rtlCol="0" anchor="ctr" anchorCtr="1">
+              <a:noAutofit/>
+            </a:bodyPr>
+            <a:lstStyle/>
+            <a:p>
+              <a:pPr algn="dist"/>
+              <a:endParaRPr lang="en-US" altLang="ko-KR" sz="900" dirty="0" smtClean="0">
+                <a:solidFill>
+                  <a:schemeClr val="tx1"/>
+                </a:solidFill>
+              </a:endParaRPr>
+            </a:p>
+          </p:txBody>
+        </p:sp>
+        <p:sp>
+          <p:nvSpPr>
+            <p:cNvPr id="77" name="모서리가 둥근 직사각형 76"/>
+            <p:cNvSpPr/>
+            <p:nvPr/>
+          </p:nvSpPr>
+          <p:spPr>
+            <a:xfrm>
+              <a:off x="2970279" y="5285312"/>
+              <a:ext cx="611959" cy="252873"/>
+            </a:xfrm>
+            <a:prstGeom prst="roundRect">
+              <a:avLst>
+                <a:gd name="adj" fmla="val 26688"/>
+              </a:avLst>
+            </a:prstGeom>
+            <a:solidFill>
+              <a:schemeClr val="bg1"/>
+            </a:solidFill>
+            <a:ln>
+              <a:noFill/>
+            </a:ln>
+          </p:spPr>
+          <p:style>
+            <a:lnRef idx="2">
+              <a:schemeClr val="accent1">
+                <a:shade val="50000"/>
+              </a:schemeClr>
+            </a:lnRef>
+            <a:fillRef idx="1">
+              <a:schemeClr val="accent1"/>
+            </a:fillRef>
+            <a:effectRef idx="0">
+              <a:schemeClr val="accent1"/>
+            </a:effectRef>
+            <a:fontRef idx="minor">
+              <a:schemeClr val="lt1"/>
+            </a:fontRef>
+          </p:style>
+          <p:txBody>
+            <a:bodyPr wrap="none" lIns="0" tIns="0" rIns="0" bIns="0" rtlCol="0" anchor="ctr" anchorCtr="1">
+              <a:noAutofit/>
+            </a:bodyPr>
+            <a:lstStyle/>
+            <a:p>
+              <a:pPr algn="dist"/>
+              <a:endParaRPr lang="en-US" altLang="ko-KR" sz="900" dirty="0" smtClean="0">
+                <a:solidFill>
+                  <a:schemeClr val="tx1"/>
+                </a:solidFill>
+              </a:endParaRPr>
+            </a:p>
+          </p:txBody>
+        </p:sp>
+        <p:sp>
+          <p:nvSpPr>
+            <p:cNvPr id="79" name="모서리가 둥근 직사각형 78"/>
+            <p:cNvSpPr/>
+            <p:nvPr/>
+          </p:nvSpPr>
+          <p:spPr>
+            <a:xfrm flipH="1" flipV="1">
+              <a:off x="3205310" y="5575307"/>
+              <a:ext cx="141898" cy="63509"/>
+            </a:xfrm>
+            <a:prstGeom prst="roundRect">
+              <a:avLst>
+                <a:gd name="adj" fmla="val 50000"/>
+              </a:avLst>
+            </a:prstGeom>
+            <a:solidFill>
+              <a:schemeClr val="bg1"/>
+            </a:solidFill>
+            <a:ln>
+              <a:noFill/>
+            </a:ln>
+          </p:spPr>
+          <p:style>
+            <a:lnRef idx="2">
+              <a:schemeClr val="accent1">
+                <a:shade val="50000"/>
+              </a:schemeClr>
+            </a:lnRef>
+            <a:fillRef idx="1">
+              <a:schemeClr val="accent1"/>
+            </a:fillRef>
+            <a:effectRef idx="0">
+              <a:schemeClr val="accent1"/>
+            </a:effectRef>
+            <a:fontRef idx="minor">
+              <a:schemeClr val="lt1"/>
+            </a:fontRef>
+          </p:style>
+          <p:txBody>
+            <a:bodyPr wrap="none" lIns="0" tIns="0" rIns="0" bIns="0" rtlCol="0" anchor="ctr" anchorCtr="1">
+              <a:noAutofit/>
+            </a:bodyPr>
+            <a:lstStyle/>
+            <a:p>
+              <a:pPr algn="dist"/>
+              <a:endParaRPr lang="en-US" altLang="ko-KR" sz="900" dirty="0" smtClean="0">
+                <a:solidFill>
+                  <a:schemeClr val="tx1"/>
+                </a:solidFill>
+              </a:endParaRPr>
+            </a:p>
+          </p:txBody>
+        </p:sp>
+        <p:sp>
+          <p:nvSpPr>
+            <p:cNvPr id="80" name="모서리가 둥근 직사각형 79"/>
+            <p:cNvSpPr/>
+            <p:nvPr/>
+          </p:nvSpPr>
+          <p:spPr>
+            <a:xfrm flipH="1" flipV="1">
+              <a:off x="3205310" y="5657872"/>
+              <a:ext cx="141898" cy="63509"/>
+            </a:xfrm>
+            <a:prstGeom prst="roundRect">
+              <a:avLst>
+                <a:gd name="adj" fmla="val 50000"/>
+              </a:avLst>
+            </a:prstGeom>
+            <a:solidFill>
+              <a:schemeClr val="bg1"/>
+            </a:solidFill>
+            <a:ln>
+              <a:noFill/>
+            </a:ln>
+          </p:spPr>
+          <p:style>
+            <a:lnRef idx="2">
+              <a:schemeClr val="accent1">
+                <a:shade val="50000"/>
+              </a:schemeClr>
+            </a:lnRef>
+            <a:fillRef idx="1">
+              <a:schemeClr val="accent1"/>
+            </a:fillRef>
+            <a:effectRef idx="0">
+              <a:schemeClr val="accent1"/>
+            </a:effectRef>
+            <a:fontRef idx="minor">
+              <a:schemeClr val="lt1"/>
+            </a:fontRef>
+          </p:style>
+          <p:txBody>
+            <a:bodyPr wrap="none" lIns="0" tIns="0" rIns="0" bIns="0" rtlCol="0" anchor="ctr" anchorCtr="1">
+              <a:noAutofit/>
+            </a:bodyPr>
+            <a:lstStyle/>
+            <a:p>
+              <a:pPr algn="dist"/>
+              <a:endParaRPr lang="en-US" altLang="ko-KR" sz="900" dirty="0" smtClean="0">
+                <a:solidFill>
+                  <a:schemeClr val="tx1"/>
+                </a:solidFill>
+              </a:endParaRPr>
+            </a:p>
+          </p:txBody>
+        </p:sp>
+        <p:sp>
+          <p:nvSpPr>
+            <p:cNvPr id="82" name="모서리가 둥근 직사각형 81"/>
+            <p:cNvSpPr/>
+            <p:nvPr/>
+          </p:nvSpPr>
+          <p:spPr>
+            <a:xfrm>
+              <a:off x="4342903" y="4733364"/>
+              <a:ext cx="611960" cy="832862"/>
+            </a:xfrm>
+            <a:prstGeom prst="roundRect">
+              <a:avLst>
+                <a:gd name="adj" fmla="val 16062"/>
+              </a:avLst>
+            </a:prstGeom>
+            <a:solidFill>
+              <a:schemeClr val="bg1"/>
+            </a:solidFill>
+            <a:ln>
+              <a:noFill/>
+            </a:ln>
+          </p:spPr>
+          <p:style>
+            <a:lnRef idx="2">
+              <a:schemeClr val="accent1">
+                <a:shade val="50000"/>
+              </a:schemeClr>
+            </a:lnRef>
+            <a:fillRef idx="1">
+              <a:schemeClr val="accent1"/>
+            </a:fillRef>
+            <a:effectRef idx="0">
+              <a:schemeClr val="accent1"/>
+            </a:effectRef>
+            <a:fontRef idx="minor">
+              <a:schemeClr val="lt1"/>
+            </a:fontRef>
+          </p:style>
+          <p:txBody>
+            <a:bodyPr wrap="none" lIns="0" tIns="0" rIns="0" bIns="0" rtlCol="0" anchor="ctr" anchorCtr="1">
+              <a:noAutofit/>
+            </a:bodyPr>
+            <a:lstStyle/>
+            <a:p>
+              <a:pPr algn="dist"/>
+              <a:r>
+                <a:rPr lang="en-US" altLang="ko-KR" sz="900" dirty="0" smtClean="0">
+                  <a:solidFill>
+                    <a:schemeClr val="tx1"/>
+                  </a:solidFill>
+                </a:rPr>
+                <a:t>banner</a:t>
+              </a:r>
+            </a:p>
+          </p:txBody>
+        </p:sp>
+      </p:grpSp>
       <p:sp>
         <p:nvSpPr>
           <p:cNvPr id="43" name="TextBox 42">
@@ -14730,20 +14577,7 @@
                 <a:latin typeface="Segoe UI Symbol" panose="020B0502040204020203" pitchFamily="34" charset="0"/>
                 <a:ea typeface="Segoe UI Symbol" panose="020B0502040204020203" pitchFamily="34" charset="0"/>
               </a:rPr>
-              <a:t>Part </a:t>
-            </a:r>
-            <a:r>
-              <a:rPr lang="en-US" altLang="ko-KR" sz="1050" spc="300" dirty="0">
-                <a:solidFill>
-                  <a:schemeClr val="tx1">
-                    <a:lumMod val="75000"/>
-                    <a:lumOff val="25000"/>
-                  </a:schemeClr>
-                </a:solidFill>
-                <a:latin typeface="Segoe UI Symbol" panose="020B0502040204020203" pitchFamily="34" charset="0"/>
-                <a:ea typeface="Segoe UI Symbol" panose="020B0502040204020203" pitchFamily="34" charset="0"/>
-              </a:rPr>
-              <a:t>4</a:t>
+              <a:t>Part 4</a:t>
             </a:r>
             <a:endParaRPr lang="ko-KR" altLang="en-US" sz="1050" spc="300" dirty="0">
               <a:solidFill>
@@ -14758,6 +14592,797 @@
           </a:p>
         </p:txBody>
       </p:sp>
+      <p:grpSp>
+        <p:nvGrpSpPr>
+          <p:cNvPr id="46" name="그룹 45"/>
+          <p:cNvGrpSpPr/>
+          <p:nvPr/>
+        </p:nvGrpSpPr>
+        <p:grpSpPr>
+          <a:xfrm>
+            <a:off x="7066876" y="3925543"/>
+            <a:ext cx="3612601" cy="1948848"/>
+            <a:chOff x="3530774" y="1049608"/>
+            <a:chExt cx="5070956" cy="5293170"/>
+          </a:xfrm>
+        </p:grpSpPr>
+        <p:sp>
+          <p:nvSpPr>
+            <p:cNvPr id="47" name="모서리가 둥근 직사각형 46"/>
+            <p:cNvSpPr/>
+            <p:nvPr/>
+          </p:nvSpPr>
+          <p:spPr>
+            <a:xfrm>
+              <a:off x="4671100" y="1049608"/>
+              <a:ext cx="2790306" cy="365761"/>
+            </a:xfrm>
+            <a:prstGeom prst="roundRect">
+              <a:avLst>
+                <a:gd name="adj" fmla="val 50000"/>
+              </a:avLst>
+            </a:prstGeom>
+            <a:solidFill>
+              <a:schemeClr val="bg1"/>
+            </a:solidFill>
+            <a:ln>
+              <a:noFill/>
+            </a:ln>
+          </p:spPr>
+          <p:style>
+            <a:lnRef idx="2">
+              <a:schemeClr val="accent1">
+                <a:shade val="50000"/>
+              </a:schemeClr>
+            </a:lnRef>
+            <a:fillRef idx="1">
+              <a:schemeClr val="accent1"/>
+            </a:fillRef>
+            <a:effectRef idx="0">
+              <a:schemeClr val="accent1"/>
+            </a:effectRef>
+            <a:fontRef idx="minor">
+              <a:schemeClr val="lt1"/>
+            </a:fontRef>
+          </p:style>
+          <p:txBody>
+            <a:bodyPr rtlCol="0" anchor="ctr"/>
+            <a:lstStyle/>
+            <a:p>
+              <a:pPr algn="ctr"/>
+              <a:r>
+                <a:rPr lang="en-US" altLang="ko-KR" sz="1050" dirty="0" smtClean="0">
+                  <a:solidFill>
+                    <a:schemeClr val="tx1"/>
+                  </a:solidFill>
+                </a:rPr>
+                <a:t>Title</a:t>
+              </a:r>
+              <a:endParaRPr lang="ko-KR" altLang="en-US" dirty="0">
+                <a:solidFill>
+                  <a:schemeClr val="tx1"/>
+                </a:solidFill>
+              </a:endParaRPr>
+            </a:p>
+          </p:txBody>
+        </p:sp>
+        <p:sp>
+          <p:nvSpPr>
+            <p:cNvPr id="48" name="모서리가 둥근 직사각형 47"/>
+            <p:cNvSpPr/>
+            <p:nvPr/>
+          </p:nvSpPr>
+          <p:spPr>
+            <a:xfrm>
+              <a:off x="4287331" y="1498497"/>
+              <a:ext cx="3557844" cy="399009"/>
+            </a:xfrm>
+            <a:prstGeom prst="roundRect">
+              <a:avLst>
+                <a:gd name="adj" fmla="val 50000"/>
+              </a:avLst>
+            </a:prstGeom>
+            <a:solidFill>
+              <a:schemeClr val="bg1"/>
+            </a:solidFill>
+            <a:ln>
+              <a:noFill/>
+            </a:ln>
+          </p:spPr>
+          <p:style>
+            <a:lnRef idx="2">
+              <a:schemeClr val="accent1">
+                <a:shade val="50000"/>
+              </a:schemeClr>
+            </a:lnRef>
+            <a:fillRef idx="1">
+              <a:schemeClr val="accent1"/>
+            </a:fillRef>
+            <a:effectRef idx="0">
+              <a:schemeClr val="accent1"/>
+            </a:effectRef>
+            <a:fontRef idx="minor">
+              <a:schemeClr val="lt1"/>
+            </a:fontRef>
+          </p:style>
+          <p:txBody>
+            <a:bodyPr rtlCol="0" anchor="ctr"/>
+            <a:lstStyle/>
+            <a:p>
+              <a:pPr algn="ctr"/>
+              <a:r>
+                <a:rPr lang="en-US" altLang="ko-KR" sz="1050" dirty="0" smtClean="0">
+                  <a:solidFill>
+                    <a:schemeClr val="tx1"/>
+                  </a:solidFill>
+                </a:rPr>
+                <a:t>Category</a:t>
+              </a:r>
+              <a:endParaRPr lang="ko-KR" altLang="en-US" sz="1600" dirty="0">
+                <a:solidFill>
+                  <a:schemeClr val="tx1"/>
+                </a:solidFill>
+              </a:endParaRPr>
+            </a:p>
+          </p:txBody>
+        </p:sp>
+        <p:sp>
+          <p:nvSpPr>
+            <p:cNvPr id="49" name="모서리가 둥근 직사각형 48"/>
+            <p:cNvSpPr/>
+            <p:nvPr/>
+          </p:nvSpPr>
+          <p:spPr>
+            <a:xfrm>
+              <a:off x="3530774" y="2002180"/>
+              <a:ext cx="5070956" cy="2556247"/>
+            </a:xfrm>
+            <a:prstGeom prst="roundRect">
+              <a:avLst>
+                <a:gd name="adj" fmla="val 50000"/>
+              </a:avLst>
+            </a:prstGeom>
+            <a:solidFill>
+              <a:schemeClr val="bg1"/>
+            </a:solidFill>
+            <a:ln>
+              <a:noFill/>
+            </a:ln>
+          </p:spPr>
+          <p:style>
+            <a:lnRef idx="2">
+              <a:schemeClr val="accent1">
+                <a:shade val="50000"/>
+              </a:schemeClr>
+            </a:lnRef>
+            <a:fillRef idx="1">
+              <a:schemeClr val="accent1"/>
+            </a:fillRef>
+            <a:effectRef idx="0">
+              <a:schemeClr val="accent1"/>
+            </a:effectRef>
+            <a:fontRef idx="minor">
+              <a:schemeClr val="lt1"/>
+            </a:fontRef>
+          </p:style>
+          <p:txBody>
+            <a:bodyPr rtlCol="0" anchor="ctr"/>
+            <a:lstStyle/>
+            <a:p>
+              <a:pPr algn="ctr"/>
+              <a:endParaRPr lang="ko-KR" altLang="en-US">
+                <a:solidFill>
+                  <a:schemeClr val="tx1"/>
+                </a:solidFill>
+              </a:endParaRPr>
+            </a:p>
+          </p:txBody>
+        </p:sp>
+        <p:sp>
+          <p:nvSpPr>
+            <p:cNvPr id="60" name="모서리가 둥근 직사각형 59"/>
+            <p:cNvSpPr/>
+            <p:nvPr/>
+          </p:nvSpPr>
+          <p:spPr>
+            <a:xfrm>
+              <a:off x="3530774" y="4713316"/>
+              <a:ext cx="5070956" cy="1629462"/>
+            </a:xfrm>
+            <a:prstGeom prst="roundRect">
+              <a:avLst>
+                <a:gd name="adj" fmla="val 4262"/>
+              </a:avLst>
+            </a:prstGeom>
+            <a:solidFill>
+              <a:schemeClr val="bg1"/>
+            </a:solidFill>
+            <a:ln>
+              <a:noFill/>
+            </a:ln>
+          </p:spPr>
+          <p:style>
+            <a:lnRef idx="2">
+              <a:schemeClr val="accent1">
+                <a:shade val="50000"/>
+              </a:schemeClr>
+            </a:lnRef>
+            <a:fillRef idx="1">
+              <a:schemeClr val="accent1"/>
+            </a:fillRef>
+            <a:effectRef idx="0">
+              <a:schemeClr val="accent1"/>
+            </a:effectRef>
+            <a:fontRef idx="minor">
+              <a:schemeClr val="lt1"/>
+            </a:fontRef>
+          </p:style>
+          <p:txBody>
+            <a:bodyPr wrap="none" lIns="0" tIns="0" rIns="0" bIns="0" rtlCol="0" anchor="ctr" anchorCtr="1">
+              <a:noAutofit/>
+            </a:bodyPr>
+            <a:lstStyle/>
+            <a:p>
+              <a:pPr algn="dist"/>
+              <a:r>
+                <a:rPr lang="en-US" altLang="ko-KR" sz="1050" dirty="0" smtClean="0">
+                  <a:solidFill>
+                    <a:schemeClr val="tx1"/>
+                  </a:solidFill>
+                </a:rPr>
+                <a:t>content</a:t>
+              </a:r>
+            </a:p>
+          </p:txBody>
+        </p:sp>
+        <p:sp>
+          <p:nvSpPr>
+            <p:cNvPr id="68" name="TextBox 67"/>
+            <p:cNvSpPr txBox="1"/>
+            <p:nvPr/>
+          </p:nvSpPr>
+          <p:spPr>
+            <a:xfrm>
+              <a:off x="5704648" y="2925030"/>
+              <a:ext cx="723207" cy="710546"/>
+            </a:xfrm>
+            <a:prstGeom prst="rect">
+              <a:avLst/>
+            </a:prstGeom>
+            <a:noFill/>
+          </p:spPr>
+          <p:txBody>
+            <a:bodyPr wrap="square" rtlCol="0">
+              <a:spAutoFit/>
+            </a:bodyPr>
+            <a:lstStyle/>
+            <a:p>
+              <a:r>
+                <a:rPr lang="en-US" altLang="ko-KR" sz="1050" dirty="0"/>
+                <a:t>M</a:t>
+              </a:r>
+              <a:r>
+                <a:rPr lang="en-US" altLang="ko-KR" sz="1050" dirty="0" smtClean="0"/>
+                <a:t>ain</a:t>
+              </a:r>
+              <a:endParaRPr lang="ko-KR" altLang="en-US" sz="1600" dirty="0"/>
+            </a:p>
+          </p:txBody>
+        </p:sp>
+      </p:grpSp>
+      <p:grpSp>
+        <p:nvGrpSpPr>
+          <p:cNvPr id="73" name="그룹 72"/>
+          <p:cNvGrpSpPr/>
+          <p:nvPr/>
+        </p:nvGrpSpPr>
+        <p:grpSpPr>
+          <a:xfrm>
+            <a:off x="7122367" y="1571818"/>
+            <a:ext cx="3501617" cy="2121205"/>
+            <a:chOff x="3554690" y="1065106"/>
+            <a:chExt cx="6153005" cy="5428613"/>
+          </a:xfrm>
+        </p:grpSpPr>
+        <p:grpSp>
+          <p:nvGrpSpPr>
+            <p:cNvPr id="78" name="그룹 77"/>
+            <p:cNvGrpSpPr/>
+            <p:nvPr/>
+          </p:nvGrpSpPr>
+          <p:grpSpPr>
+            <a:xfrm>
+              <a:off x="3554690" y="1065106"/>
+              <a:ext cx="5023126" cy="5428613"/>
+              <a:chOff x="3672495" y="1065106"/>
+              <a:chExt cx="5023126" cy="5428613"/>
+            </a:xfrm>
+          </p:grpSpPr>
+          <p:sp>
+            <p:nvSpPr>
+              <p:cNvPr id="83" name="모서리가 둥근 직사각형 82"/>
+              <p:cNvSpPr/>
+              <p:nvPr/>
+            </p:nvSpPr>
+            <p:spPr>
+              <a:xfrm>
+                <a:off x="3672496" y="1065107"/>
+                <a:ext cx="1020545" cy="365761"/>
+              </a:xfrm>
+              <a:prstGeom prst="roundRect">
+                <a:avLst>
+                  <a:gd name="adj" fmla="val 50000"/>
+                </a:avLst>
+              </a:prstGeom>
+              <a:solidFill>
+                <a:schemeClr val="bg1"/>
+              </a:solidFill>
+              <a:ln>
+                <a:noFill/>
+              </a:ln>
+            </p:spPr>
+            <p:style>
+              <a:lnRef idx="2">
+                <a:schemeClr val="accent1">
+                  <a:shade val="50000"/>
+                </a:schemeClr>
+              </a:lnRef>
+              <a:fillRef idx="1">
+                <a:schemeClr val="accent1"/>
+              </a:fillRef>
+              <a:effectRef idx="0">
+                <a:schemeClr val="accent1"/>
+              </a:effectRef>
+              <a:fontRef idx="minor">
+                <a:schemeClr val="lt1"/>
+              </a:fontRef>
+            </p:style>
+            <p:txBody>
+              <a:bodyPr rtlCol="0" anchor="ctr"/>
+              <a:lstStyle/>
+              <a:p>
+                <a:pPr algn="ctr"/>
+                <a:r>
+                  <a:rPr lang="en-US" altLang="ko-KR" sz="1050" dirty="0" smtClean="0">
+                    <a:solidFill>
+                      <a:schemeClr val="tx1"/>
+                    </a:solidFill>
+                  </a:rPr>
+                  <a:t>Title</a:t>
+                </a:r>
+                <a:endParaRPr lang="ko-KR" altLang="en-US" sz="1050" dirty="0">
+                  <a:solidFill>
+                    <a:schemeClr val="tx1"/>
+                  </a:solidFill>
+                </a:endParaRPr>
+              </a:p>
+            </p:txBody>
+          </p:sp>
+          <p:sp>
+            <p:nvSpPr>
+              <p:cNvPr id="84" name="모서리가 둥근 직사각형 83"/>
+              <p:cNvSpPr/>
+              <p:nvPr/>
+            </p:nvSpPr>
+            <p:spPr>
+              <a:xfrm>
+                <a:off x="3672495" y="1539722"/>
+                <a:ext cx="5023126" cy="4495293"/>
+              </a:xfrm>
+              <a:prstGeom prst="roundRect">
+                <a:avLst>
+                  <a:gd name="adj" fmla="val 3348"/>
+                </a:avLst>
+              </a:prstGeom>
+              <a:solidFill>
+                <a:schemeClr val="bg1"/>
+              </a:solidFill>
+              <a:ln>
+                <a:noFill/>
+              </a:ln>
+            </p:spPr>
+            <p:style>
+              <a:lnRef idx="2">
+                <a:schemeClr val="accent1">
+                  <a:shade val="50000"/>
+                </a:schemeClr>
+              </a:lnRef>
+              <a:fillRef idx="1">
+                <a:schemeClr val="accent1"/>
+              </a:fillRef>
+              <a:effectRef idx="0">
+                <a:schemeClr val="accent1"/>
+              </a:effectRef>
+              <a:fontRef idx="minor">
+                <a:schemeClr val="lt1"/>
+              </a:fontRef>
+            </p:style>
+            <p:txBody>
+              <a:bodyPr rtlCol="0" anchor="ctr"/>
+              <a:lstStyle/>
+              <a:p>
+                <a:pPr algn="ctr"/>
+                <a:r>
+                  <a:rPr lang="en-US" altLang="ko-KR" sz="1000" dirty="0" smtClean="0">
+                    <a:solidFill>
+                      <a:schemeClr val="tx1"/>
+                    </a:solidFill>
+                  </a:rPr>
+                  <a:t>Content</a:t>
+                </a:r>
+                <a:endParaRPr lang="en-US" altLang="ko-KR" sz="1050" dirty="0" smtClean="0">
+                  <a:solidFill>
+                    <a:schemeClr val="tx1"/>
+                  </a:solidFill>
+                </a:endParaRPr>
+              </a:p>
+              <a:p>
+                <a:pPr algn="ctr"/>
+                <a:endParaRPr lang="ko-KR" altLang="en-US" sz="1050" dirty="0">
+                  <a:solidFill>
+                    <a:schemeClr val="tx1"/>
+                  </a:solidFill>
+                </a:endParaRPr>
+              </a:p>
+            </p:txBody>
+          </p:sp>
+          <p:sp>
+            <p:nvSpPr>
+              <p:cNvPr id="85" name="모서리가 둥근 직사각형 84"/>
+              <p:cNvSpPr/>
+              <p:nvPr/>
+            </p:nvSpPr>
+            <p:spPr>
+              <a:xfrm>
+                <a:off x="4811102" y="1065106"/>
+                <a:ext cx="2575249" cy="365761"/>
+              </a:xfrm>
+              <a:prstGeom prst="roundRect">
+                <a:avLst>
+                  <a:gd name="adj" fmla="val 50000"/>
+                </a:avLst>
+              </a:prstGeom>
+              <a:solidFill>
+                <a:schemeClr val="bg1"/>
+              </a:solidFill>
+              <a:ln>
+                <a:noFill/>
+              </a:ln>
+            </p:spPr>
+            <p:style>
+              <a:lnRef idx="2">
+                <a:schemeClr val="accent1">
+                  <a:shade val="50000"/>
+                </a:schemeClr>
+              </a:lnRef>
+              <a:fillRef idx="1">
+                <a:schemeClr val="accent1"/>
+              </a:fillRef>
+              <a:effectRef idx="0">
+                <a:schemeClr val="accent1"/>
+              </a:effectRef>
+              <a:fontRef idx="minor">
+                <a:schemeClr val="lt1"/>
+              </a:fontRef>
+            </p:style>
+            <p:txBody>
+              <a:bodyPr rtlCol="0" anchor="ctr"/>
+              <a:lstStyle/>
+              <a:p>
+                <a:pPr algn="ctr"/>
+                <a:r>
+                  <a:rPr lang="en-US" altLang="ko-KR" sz="1050" dirty="0" smtClean="0">
+                    <a:solidFill>
+                      <a:schemeClr val="tx1"/>
+                    </a:solidFill>
+                  </a:rPr>
+                  <a:t>Search</a:t>
+                </a:r>
+                <a:endParaRPr lang="ko-KR" altLang="en-US" sz="1050" dirty="0">
+                  <a:solidFill>
+                    <a:schemeClr val="tx1"/>
+                  </a:solidFill>
+                </a:endParaRPr>
+              </a:p>
+            </p:txBody>
+          </p:sp>
+          <p:sp>
+            <p:nvSpPr>
+              <p:cNvPr id="86" name="모서리가 둥근 직사각형 85"/>
+              <p:cNvSpPr/>
+              <p:nvPr/>
+            </p:nvSpPr>
+            <p:spPr>
+              <a:xfrm>
+                <a:off x="7479657" y="1065106"/>
+                <a:ext cx="1215963" cy="365761"/>
+              </a:xfrm>
+              <a:prstGeom prst="roundRect">
+                <a:avLst>
+                  <a:gd name="adj" fmla="val 50000"/>
+                </a:avLst>
+              </a:prstGeom>
+              <a:solidFill>
+                <a:schemeClr val="bg1"/>
+              </a:solidFill>
+              <a:ln>
+                <a:noFill/>
+              </a:ln>
+            </p:spPr>
+            <p:style>
+              <a:lnRef idx="2">
+                <a:schemeClr val="accent1">
+                  <a:shade val="50000"/>
+                </a:schemeClr>
+              </a:lnRef>
+              <a:fillRef idx="1">
+                <a:schemeClr val="accent1"/>
+              </a:fillRef>
+              <a:effectRef idx="0">
+                <a:schemeClr val="accent1"/>
+              </a:effectRef>
+              <a:fontRef idx="minor">
+                <a:schemeClr val="lt1"/>
+              </a:fontRef>
+            </p:style>
+            <p:txBody>
+              <a:bodyPr rtlCol="0" anchor="ctr"/>
+              <a:lstStyle/>
+              <a:p>
+                <a:r>
+                  <a:rPr lang="en-US" altLang="ko-KR" sz="1000" dirty="0" smtClean="0">
+                    <a:solidFill>
+                      <a:schemeClr val="tx1"/>
+                    </a:solidFill>
+                  </a:rPr>
+                  <a:t>Brand</a:t>
+                </a:r>
+                <a:endParaRPr lang="ko-KR" altLang="en-US" sz="1050" dirty="0">
+                  <a:solidFill>
+                    <a:schemeClr val="tx1"/>
+                  </a:solidFill>
+                </a:endParaRPr>
+              </a:p>
+            </p:txBody>
+          </p:sp>
+          <p:sp>
+            <p:nvSpPr>
+              <p:cNvPr id="87" name="모서리가 둥근 직사각형 86"/>
+              <p:cNvSpPr/>
+              <p:nvPr/>
+            </p:nvSpPr>
+            <p:spPr>
+              <a:xfrm>
+                <a:off x="3672495" y="6118867"/>
+                <a:ext cx="5023126" cy="374852"/>
+              </a:xfrm>
+              <a:prstGeom prst="roundRect">
+                <a:avLst>
+                  <a:gd name="adj" fmla="val 50000"/>
+                </a:avLst>
+              </a:prstGeom>
+              <a:solidFill>
+                <a:schemeClr val="bg1"/>
+              </a:solidFill>
+              <a:ln>
+                <a:noFill/>
+              </a:ln>
+            </p:spPr>
+            <p:style>
+              <a:lnRef idx="2">
+                <a:schemeClr val="accent1">
+                  <a:shade val="50000"/>
+                </a:schemeClr>
+              </a:lnRef>
+              <a:fillRef idx="1">
+                <a:schemeClr val="accent1"/>
+              </a:fillRef>
+              <a:effectRef idx="0">
+                <a:schemeClr val="accent1"/>
+              </a:effectRef>
+              <a:fontRef idx="minor">
+                <a:schemeClr val="lt1"/>
+              </a:fontRef>
+            </p:style>
+            <p:txBody>
+              <a:bodyPr rtlCol="0" anchor="ctr"/>
+              <a:lstStyle/>
+              <a:p>
+                <a:pPr algn="ctr"/>
+                <a:r>
+                  <a:rPr lang="en-US" altLang="ko-KR" sz="1050" dirty="0" smtClean="0">
+                    <a:solidFill>
+                      <a:schemeClr val="tx1"/>
+                    </a:solidFill>
+                  </a:rPr>
+                  <a:t>Category</a:t>
+                </a:r>
+              </a:p>
+            </p:txBody>
+          </p:sp>
+        </p:grpSp>
+        <p:sp>
+          <p:nvSpPr>
+            <p:cNvPr id="81" name="모서리가 둥근 직사각형 80"/>
+            <p:cNvSpPr/>
+            <p:nvPr/>
+          </p:nvSpPr>
+          <p:spPr>
+            <a:xfrm>
+              <a:off x="8623321" y="1539722"/>
+              <a:ext cx="1084374" cy="2673900"/>
+            </a:xfrm>
+            <a:prstGeom prst="roundRect">
+              <a:avLst>
+                <a:gd name="adj" fmla="val 16062"/>
+              </a:avLst>
+            </a:prstGeom>
+            <a:solidFill>
+              <a:schemeClr val="bg1"/>
+            </a:solidFill>
+            <a:ln>
+              <a:noFill/>
+            </a:ln>
+          </p:spPr>
+          <p:style>
+            <a:lnRef idx="2">
+              <a:schemeClr val="accent1">
+                <a:shade val="50000"/>
+              </a:schemeClr>
+            </a:lnRef>
+            <a:fillRef idx="1">
+              <a:schemeClr val="accent1"/>
+            </a:fillRef>
+            <a:effectRef idx="0">
+              <a:schemeClr val="accent1"/>
+            </a:effectRef>
+            <a:fontRef idx="minor">
+              <a:schemeClr val="lt1"/>
+            </a:fontRef>
+          </p:style>
+          <p:txBody>
+            <a:bodyPr wrap="none" lIns="0" tIns="0" rIns="0" bIns="0" rtlCol="0" anchor="ctr" anchorCtr="1">
+              <a:noAutofit/>
+            </a:bodyPr>
+            <a:lstStyle/>
+            <a:p>
+              <a:pPr algn="dist"/>
+              <a:endParaRPr lang="en-US" altLang="ko-KR" sz="800" dirty="0" smtClean="0">
+                <a:solidFill>
+                  <a:schemeClr val="tx1"/>
+                </a:solidFill>
+              </a:endParaRPr>
+            </a:p>
+            <a:p>
+              <a:pPr algn="dist"/>
+              <a:endParaRPr lang="en-US" altLang="ko-KR" sz="800" dirty="0">
+                <a:solidFill>
+                  <a:schemeClr val="tx1"/>
+                </a:solidFill>
+              </a:endParaRPr>
+            </a:p>
+            <a:p>
+              <a:pPr algn="dist"/>
+              <a:endParaRPr lang="en-US" altLang="ko-KR" sz="800" dirty="0" smtClean="0">
+                <a:solidFill>
+                  <a:schemeClr val="tx1"/>
+                </a:solidFill>
+              </a:endParaRPr>
+            </a:p>
+            <a:p>
+              <a:pPr algn="dist"/>
+              <a:r>
+                <a:rPr lang="en-US" altLang="ko-KR" sz="800" dirty="0" smtClean="0">
+                  <a:solidFill>
+                    <a:schemeClr val="tx1"/>
+                  </a:solidFill>
+                </a:rPr>
+                <a:t>Alliance</a:t>
+              </a:r>
+              <a:endParaRPr lang="en-US" altLang="ko-KR" sz="800" dirty="0" smtClean="0">
+                <a:solidFill>
+                  <a:schemeClr val="tx1"/>
+                </a:solidFill>
+              </a:endParaRPr>
+            </a:p>
+            <a:p>
+              <a:pPr algn="dist"/>
+              <a:r>
+                <a:rPr lang="en-US" altLang="ko-KR" sz="800" dirty="0" smtClean="0">
+                  <a:solidFill>
+                    <a:schemeClr val="tx1"/>
+                  </a:solidFill>
+                </a:rPr>
+                <a:t>-store</a:t>
+              </a:r>
+            </a:p>
+            <a:p>
+              <a:pPr>
+                <a:lnSpc>
+                  <a:spcPct val="150000"/>
+                </a:lnSpc>
+              </a:pPr>
+              <a:r>
+                <a:rPr lang="en-US" altLang="ko-KR" sz="800" dirty="0" smtClean="0">
+                  <a:solidFill>
+                    <a:schemeClr val="tx1"/>
+                  </a:solidFill>
+                </a:rPr>
+                <a:t>Advertisment</a:t>
+              </a:r>
+            </a:p>
+            <a:p>
+              <a:pPr>
+                <a:lnSpc>
+                  <a:spcPct val="150000"/>
+                </a:lnSpc>
+              </a:pPr>
+              <a:r>
+                <a:rPr lang="en-US" altLang="ko-KR" sz="800" dirty="0" smtClean="0">
+                  <a:solidFill>
+                    <a:schemeClr val="tx1"/>
+                  </a:solidFill>
+                </a:rPr>
+                <a:t>subscription</a:t>
+              </a:r>
+            </a:p>
+            <a:p>
+              <a:pPr>
+                <a:lnSpc>
+                  <a:spcPct val="150000"/>
+                </a:lnSpc>
+              </a:pPr>
+              <a:r>
+                <a:rPr lang="en-US" altLang="ko-KR" sz="800" dirty="0" smtClean="0">
+                  <a:solidFill>
+                    <a:schemeClr val="tx1"/>
+                  </a:solidFill>
+                </a:rPr>
+                <a:t>Benefit</a:t>
+              </a:r>
+            </a:p>
+            <a:p>
+              <a:pPr>
+                <a:lnSpc>
+                  <a:spcPct val="150000"/>
+                </a:lnSpc>
+              </a:pPr>
+              <a:r>
+                <a:rPr lang="en-US" altLang="ko-KR" sz="800" dirty="0" smtClean="0">
+                  <a:solidFill>
+                    <a:schemeClr val="tx1"/>
+                  </a:solidFill>
+                </a:rPr>
+                <a:t>Etc ...</a:t>
+              </a:r>
+            </a:p>
+            <a:p>
+              <a:pPr algn="dist"/>
+              <a:endParaRPr lang="en-US" altLang="ko-KR" sz="900" dirty="0" smtClean="0">
+                <a:solidFill>
+                  <a:schemeClr val="tx1"/>
+                </a:solidFill>
+              </a:endParaRPr>
+            </a:p>
+            <a:p>
+              <a:pPr algn="dist"/>
+              <a:endParaRPr lang="en-US" altLang="ko-KR" sz="900" dirty="0">
+                <a:solidFill>
+                  <a:schemeClr val="tx1"/>
+                </a:solidFill>
+              </a:endParaRPr>
+            </a:p>
+            <a:p>
+              <a:pPr algn="dist"/>
+              <a:endParaRPr lang="en-US" altLang="ko-KR" sz="900" dirty="0" smtClean="0">
+                <a:solidFill>
+                  <a:schemeClr val="tx1"/>
+                </a:solidFill>
+              </a:endParaRPr>
+            </a:p>
+          </p:txBody>
+        </p:sp>
+      </p:grpSp>
     </p:spTree>
     <p:extLst>
       <p:ext uri="{BB962C8B-B14F-4D97-AF65-F5344CB8AC3E}">
@@ -17006,21 +17631,7 @@
                   <a:latin typeface="배달의민족 주아" panose="02020603020101020101" pitchFamily="18" charset="-127"/>
                   <a:ea typeface="배달의민족 주아" panose="02020603020101020101" pitchFamily="18" charset="-127"/>
                 </a:rPr>
-                <a:t> </a:t>
-              </a:r>
-              <a:r>
-                <a:rPr lang="en-US" altLang="ko-KR" sz="1500" dirty="0" smtClean="0">
-                  <a:latin typeface="배달의민족 주아" panose="02020603020101020101" pitchFamily="18" charset="-127"/>
-                  <a:ea typeface="배달의민족 주아" panose="02020603020101020101" pitchFamily="18" charset="-127"/>
-                </a:rPr>
-                <a:t>Love </a:t>
-              </a:r>
-              <a:r>
-                <a:rPr lang="en-US" altLang="ko-KR" sz="1500" dirty="0" smtClean="0">
-                  <a:latin typeface="배달의민족 주아" panose="02020603020101020101" pitchFamily="18" charset="-127"/>
-                  <a:ea typeface="배달의민족 주아" panose="02020603020101020101" pitchFamily="18" charset="-127"/>
-                </a:rPr>
-                <a:t>U</a:t>
+                <a:t> Love U</a:t>
               </a:r>
               <a:endParaRPr lang="ko-KR" altLang="en-US" sz="1500" dirty="0">
                 <a:latin typeface="배달의민족 주아" panose="02020603020101020101" pitchFamily="18" charset="-127"/>
@@ -18432,66 +19043,6 @@
           <a:chExt cx="0" cy="0"/>
         </a:xfrm>
       </p:grpSpPr>
-      <p:sp>
-        <p:nvSpPr>
-          <p:cNvPr id="4" name="타원 3">
-            <a:extLst>
-              <a:ext uri="{FF2B5EF4-FFF2-40B4-BE49-F238E27FC236}">
-                <a16:creationId xmlns:a16="http://schemas.microsoft.com/office/drawing/2014/main" id="{A1130166-C80E-F83B-F427-B6B595571634}"/>
-              </a:ext>
-            </a:extLst>
-          </p:cNvPr>
-          <p:cNvSpPr/>
-          <p:nvPr/>
-        </p:nvSpPr>
-        <p:spPr>
-          <a:xfrm>
-            <a:off x="463215" y="2502568"/>
-            <a:ext cx="1873585" cy="1930887"/>
-          </a:xfrm>
-          <a:prstGeom prst="ellipse">
-            <a:avLst/>
-          </a:prstGeom>
-          <a:solidFill>
-            <a:schemeClr val="bg1"/>
-          </a:solidFill>
-          <a:ln>
-            <a:noFill/>
-          </a:ln>
-          <a:effectLst>
-            <a:outerShdw blurRad="76200" dist="12700" dir="2700000" algn="tl" rotWithShape="0">
-              <a:schemeClr val="bg1">
-                <a:lumMod val="85000"/>
-                <a:alpha val="60000"/>
-              </a:schemeClr>
-            </a:outerShdw>
-          </a:effectLst>
-        </p:spPr>
-        <p:style>
-          <a:lnRef idx="2">
-            <a:schemeClr val="accent1">
-              <a:shade val="50000"/>
-            </a:schemeClr>
-          </a:lnRef>
-          <a:fillRef idx="1">
-            <a:schemeClr val="accent1"/>
-          </a:fillRef>
-          <a:effectRef idx="0">
-            <a:schemeClr val="accent1"/>
-          </a:effectRef>
-          <a:fontRef idx="minor">
-            <a:schemeClr val="lt1"/>
-          </a:fontRef>
-        </p:style>
-        <p:txBody>
-          <a:bodyPr rtlCol="0" anchor="ctr"/>
-          <a:lstStyle/>
-          <a:p>
-            <a:pPr algn="ctr"/>
-            <a:endParaRPr lang="ko-KR" altLang="en-US"/>
-          </a:p>
-        </p:txBody>
-      </p:sp>
       <p:sp>
         <p:nvSpPr>
           <p:cNvPr id="7" name="그래픽 15" descr="붓놀림">
@@ -19622,40 +20173,344 @@
           </a:p>
         </p:txBody>
       </p:sp>
+      <p:grpSp>
+        <p:nvGrpSpPr>
+          <p:cNvPr id="5" name="그룹 4"/>
+          <p:cNvGrpSpPr/>
+          <p:nvPr/>
+        </p:nvGrpSpPr>
+        <p:grpSpPr>
+          <a:xfrm>
+            <a:off x="372825" y="2493602"/>
+            <a:ext cx="11446348" cy="1930887"/>
+            <a:chOff x="463215" y="2502567"/>
+            <a:chExt cx="11446348" cy="1930887"/>
+          </a:xfrm>
+        </p:grpSpPr>
+        <p:sp>
+          <p:nvSpPr>
+            <p:cNvPr id="4" name="타원 3">
+              <a:extLst>
+                <a:ext uri="{FF2B5EF4-FFF2-40B4-BE49-F238E27FC236}">
+                  <a16:creationId xmlns:a16="http://schemas.microsoft.com/office/drawing/2014/main" id="{A1130166-C80E-F83B-F427-B6B595571634}"/>
+                </a:ext>
+              </a:extLst>
+            </p:cNvPr>
+            <p:cNvSpPr/>
+            <p:nvPr/>
+          </p:nvSpPr>
+          <p:spPr>
+            <a:xfrm>
+              <a:off x="463215" y="2502567"/>
+              <a:ext cx="1873585" cy="1930887"/>
+            </a:xfrm>
+            <a:prstGeom prst="ellipse">
+              <a:avLst/>
+            </a:prstGeom>
+            <a:solidFill>
+              <a:schemeClr val="bg1"/>
+            </a:solidFill>
+            <a:ln>
+              <a:noFill/>
+            </a:ln>
+            <a:effectLst>
+              <a:outerShdw blurRad="76200" dist="12700" dir="2700000" algn="tl" rotWithShape="0">
+                <a:schemeClr val="bg1">
+                  <a:lumMod val="85000"/>
+                  <a:alpha val="60000"/>
+                </a:schemeClr>
+              </a:outerShdw>
+            </a:effectLst>
+          </p:spPr>
+          <p:style>
+            <a:lnRef idx="2">
+              <a:schemeClr val="accent1">
+                <a:shade val="50000"/>
+              </a:schemeClr>
+            </a:lnRef>
+            <a:fillRef idx="1">
+              <a:schemeClr val="accent1"/>
+            </a:fillRef>
+            <a:effectRef idx="0">
+              <a:schemeClr val="accent1"/>
+            </a:effectRef>
+            <a:fontRef idx="minor">
+              <a:schemeClr val="lt1"/>
+            </a:fontRef>
+          </p:style>
+          <p:txBody>
+            <a:bodyPr rtlCol="0" anchor="ctr"/>
+            <a:lstStyle/>
+            <a:p>
+              <a:pPr algn="ctr"/>
+              <a:endParaRPr lang="ko-KR" altLang="en-US"/>
+            </a:p>
+          </p:txBody>
+        </p:sp>
+        <p:sp>
+          <p:nvSpPr>
+            <p:cNvPr id="13" name="타원 12">
+              <a:extLst>
+                <a:ext uri="{FF2B5EF4-FFF2-40B4-BE49-F238E27FC236}">
+                  <a16:creationId xmlns:a16="http://schemas.microsoft.com/office/drawing/2014/main" id="{A1130166-C80E-F83B-F427-B6B595571634}"/>
+                </a:ext>
+              </a:extLst>
+            </p:cNvPr>
+            <p:cNvSpPr/>
+            <p:nvPr/>
+          </p:nvSpPr>
+          <p:spPr>
+            <a:xfrm>
+              <a:off x="2856406" y="2502567"/>
+              <a:ext cx="1873585" cy="1930887"/>
+            </a:xfrm>
+            <a:prstGeom prst="ellipse">
+              <a:avLst/>
+            </a:prstGeom>
+            <a:solidFill>
+              <a:schemeClr val="bg1"/>
+            </a:solidFill>
+            <a:ln>
+              <a:noFill/>
+            </a:ln>
+            <a:effectLst>
+              <a:outerShdw blurRad="76200" dist="12700" dir="2700000" algn="tl" rotWithShape="0">
+                <a:schemeClr val="bg1">
+                  <a:lumMod val="85000"/>
+                  <a:alpha val="60000"/>
+                </a:schemeClr>
+              </a:outerShdw>
+            </a:effectLst>
+          </p:spPr>
+          <p:style>
+            <a:lnRef idx="2">
+              <a:schemeClr val="accent1">
+                <a:shade val="50000"/>
+              </a:schemeClr>
+            </a:lnRef>
+            <a:fillRef idx="1">
+              <a:schemeClr val="accent1"/>
+            </a:fillRef>
+            <a:effectRef idx="0">
+              <a:schemeClr val="accent1"/>
+            </a:effectRef>
+            <a:fontRef idx="minor">
+              <a:schemeClr val="lt1"/>
+            </a:fontRef>
+          </p:style>
+          <p:txBody>
+            <a:bodyPr rtlCol="0" anchor="ctr"/>
+            <a:lstStyle/>
+            <a:p>
+              <a:pPr algn="ctr"/>
+              <a:endParaRPr lang="ko-KR" altLang="en-US"/>
+            </a:p>
+          </p:txBody>
+        </p:sp>
+        <p:sp>
+          <p:nvSpPr>
+            <p:cNvPr id="14" name="타원 13">
+              <a:extLst>
+                <a:ext uri="{FF2B5EF4-FFF2-40B4-BE49-F238E27FC236}">
+                  <a16:creationId xmlns:a16="http://schemas.microsoft.com/office/drawing/2014/main" id="{A1130166-C80E-F83B-F427-B6B595571634}"/>
+                </a:ext>
+              </a:extLst>
+            </p:cNvPr>
+            <p:cNvSpPr/>
+            <p:nvPr/>
+          </p:nvSpPr>
+          <p:spPr>
+            <a:xfrm>
+              <a:off x="5249597" y="2502567"/>
+              <a:ext cx="1873585" cy="1930887"/>
+            </a:xfrm>
+            <a:prstGeom prst="ellipse">
+              <a:avLst/>
+            </a:prstGeom>
+            <a:solidFill>
+              <a:schemeClr val="bg1"/>
+            </a:solidFill>
+            <a:ln>
+              <a:noFill/>
+            </a:ln>
+            <a:effectLst>
+              <a:outerShdw blurRad="76200" dist="12700" dir="2700000" algn="tl" rotWithShape="0">
+                <a:schemeClr val="bg1">
+                  <a:lumMod val="85000"/>
+                  <a:alpha val="60000"/>
+                </a:schemeClr>
+              </a:outerShdw>
+            </a:effectLst>
+          </p:spPr>
+          <p:style>
+            <a:lnRef idx="2">
+              <a:schemeClr val="accent1">
+                <a:shade val="50000"/>
+              </a:schemeClr>
+            </a:lnRef>
+            <a:fillRef idx="1">
+              <a:schemeClr val="accent1"/>
+            </a:fillRef>
+            <a:effectRef idx="0">
+              <a:schemeClr val="accent1"/>
+            </a:effectRef>
+            <a:fontRef idx="minor">
+              <a:schemeClr val="lt1"/>
+            </a:fontRef>
+          </p:style>
+          <p:txBody>
+            <a:bodyPr rtlCol="0" anchor="ctr"/>
+            <a:lstStyle/>
+            <a:p>
+              <a:pPr algn="ctr"/>
+              <a:endParaRPr lang="ko-KR" altLang="en-US"/>
+            </a:p>
+          </p:txBody>
+        </p:sp>
+        <p:sp>
+          <p:nvSpPr>
+            <p:cNvPr id="15" name="타원 14">
+              <a:extLst>
+                <a:ext uri="{FF2B5EF4-FFF2-40B4-BE49-F238E27FC236}">
+                  <a16:creationId xmlns:a16="http://schemas.microsoft.com/office/drawing/2014/main" id="{A1130166-C80E-F83B-F427-B6B595571634}"/>
+                </a:ext>
+              </a:extLst>
+            </p:cNvPr>
+            <p:cNvSpPr/>
+            <p:nvPr/>
+          </p:nvSpPr>
+          <p:spPr>
+            <a:xfrm>
+              <a:off x="7642788" y="2502567"/>
+              <a:ext cx="1873585" cy="1930887"/>
+            </a:xfrm>
+            <a:prstGeom prst="ellipse">
+              <a:avLst/>
+            </a:prstGeom>
+            <a:solidFill>
+              <a:schemeClr val="bg1"/>
+            </a:solidFill>
+            <a:ln>
+              <a:noFill/>
+            </a:ln>
+            <a:effectLst>
+              <a:outerShdw blurRad="76200" dist="12700" dir="2700000" algn="tl" rotWithShape="0">
+                <a:schemeClr val="bg1">
+                  <a:lumMod val="85000"/>
+                  <a:alpha val="60000"/>
+                </a:schemeClr>
+              </a:outerShdw>
+            </a:effectLst>
+          </p:spPr>
+          <p:style>
+            <a:lnRef idx="2">
+              <a:schemeClr val="accent1">
+                <a:shade val="50000"/>
+              </a:schemeClr>
+            </a:lnRef>
+            <a:fillRef idx="1">
+              <a:schemeClr val="accent1"/>
+            </a:fillRef>
+            <a:effectRef idx="0">
+              <a:schemeClr val="accent1"/>
+            </a:effectRef>
+            <a:fontRef idx="minor">
+              <a:schemeClr val="lt1"/>
+            </a:fontRef>
+          </p:style>
+          <p:txBody>
+            <a:bodyPr rtlCol="0" anchor="ctr"/>
+            <a:lstStyle/>
+            <a:p>
+              <a:pPr algn="ctr"/>
+              <a:endParaRPr lang="ko-KR" altLang="en-US"/>
+            </a:p>
+          </p:txBody>
+        </p:sp>
+        <p:sp>
+          <p:nvSpPr>
+            <p:cNvPr id="16" name="타원 15">
+              <a:extLst>
+                <a:ext uri="{FF2B5EF4-FFF2-40B4-BE49-F238E27FC236}">
+                  <a16:creationId xmlns:a16="http://schemas.microsoft.com/office/drawing/2014/main" id="{A1130166-C80E-F83B-F427-B6B595571634}"/>
+                </a:ext>
+              </a:extLst>
+            </p:cNvPr>
+            <p:cNvSpPr/>
+            <p:nvPr/>
+          </p:nvSpPr>
+          <p:spPr>
+            <a:xfrm>
+              <a:off x="10035978" y="2502567"/>
+              <a:ext cx="1873585" cy="1930887"/>
+            </a:xfrm>
+            <a:prstGeom prst="ellipse">
+              <a:avLst/>
+            </a:prstGeom>
+            <a:solidFill>
+              <a:schemeClr val="bg1"/>
+            </a:solidFill>
+            <a:ln>
+              <a:noFill/>
+            </a:ln>
+            <a:effectLst>
+              <a:outerShdw blurRad="76200" dist="12700" dir="2700000" algn="tl" rotWithShape="0">
+                <a:schemeClr val="bg1">
+                  <a:lumMod val="85000"/>
+                  <a:alpha val="60000"/>
+                </a:schemeClr>
+              </a:outerShdw>
+            </a:effectLst>
+          </p:spPr>
+          <p:style>
+            <a:lnRef idx="2">
+              <a:schemeClr val="accent1">
+                <a:shade val="50000"/>
+              </a:schemeClr>
+            </a:lnRef>
+            <a:fillRef idx="1">
+              <a:schemeClr val="accent1"/>
+            </a:fillRef>
+            <a:effectRef idx="0">
+              <a:schemeClr val="accent1"/>
+            </a:effectRef>
+            <a:fontRef idx="minor">
+              <a:schemeClr val="lt1"/>
+            </a:fontRef>
+          </p:style>
+          <p:txBody>
+            <a:bodyPr rtlCol="0" anchor="ctr"/>
+            <a:lstStyle/>
+            <a:p>
+              <a:pPr algn="ctr"/>
+              <a:endParaRPr lang="ko-KR" altLang="en-US"/>
+            </a:p>
+          </p:txBody>
+        </p:sp>
+      </p:grpSp>
       <p:sp>
         <p:nvSpPr>
-          <p:cNvPr id="13" name="타원 12">
-            <a:extLst>
-              <a:ext uri="{FF2B5EF4-FFF2-40B4-BE49-F238E27FC236}">
-                <a16:creationId xmlns:a16="http://schemas.microsoft.com/office/drawing/2014/main" id="{A1130166-C80E-F83B-F427-B6B595571634}"/>
-              </a:ext>
-            </a:extLst>
-          </p:cNvPr>
+          <p:cNvPr id="3" name="모서리가 둥근 직사각형 2"/>
           <p:cNvSpPr/>
           <p:nvPr/>
         </p:nvSpPr>
         <p:spPr>
           <a:xfrm>
-            <a:off x="2659199" y="2502567"/>
-            <a:ext cx="1873585" cy="1930887"/>
+            <a:off x="372825" y="4260022"/>
+            <a:ext cx="1873585" cy="643674"/>
           </a:xfrm>
-          <a:prstGeom prst="ellipse">
+          <a:prstGeom prst="roundRect">
             <a:avLst/>
           </a:prstGeom>
           <a:solidFill>
-            <a:schemeClr val="bg1"/>
+            <a:schemeClr val="accent1">
+              <a:lumMod val="40000"/>
+              <a:lumOff val="60000"/>
+            </a:schemeClr>
           </a:solidFill>
           <a:ln>
             <a:noFill/>
           </a:ln>
-          <a:effectLst>
-            <a:outerShdw blurRad="76200" dist="12700" dir="2700000" algn="tl" rotWithShape="0">
-              <a:schemeClr val="bg1">
-                <a:lumMod val="85000"/>
-                <a:alpha val="60000"/>
-              </a:schemeClr>
-            </a:outerShdw>
-          </a:effectLst>
         </p:spPr>
         <p:style>
           <a:lnRef idx="2">
@@ -19678,44 +20533,37 @@
           <a:lstStyle/>
           <a:p>
             <a:pPr algn="ctr"/>
-            <a:endParaRPr lang="ko-KR" altLang="en-US"/>
+            <a:r>
+              <a:rPr lang="ko-KR" altLang="en-US" dirty="0" smtClean="0"/>
+              <a:t>김수진</a:t>
+            </a:r>
+            <a:endParaRPr lang="ko-KR" altLang="en-US" dirty="0"/>
           </a:p>
         </p:txBody>
       </p:sp>
       <p:sp>
         <p:nvSpPr>
-          <p:cNvPr id="14" name="타원 13">
-            <a:extLst>
-              <a:ext uri="{FF2B5EF4-FFF2-40B4-BE49-F238E27FC236}">
-                <a16:creationId xmlns:a16="http://schemas.microsoft.com/office/drawing/2014/main" id="{A1130166-C80E-F83B-F427-B6B595571634}"/>
-              </a:ext>
-            </a:extLst>
-          </p:cNvPr>
+          <p:cNvPr id="12" name="모서리가 둥근 직사각형 11"/>
           <p:cNvSpPr/>
           <p:nvPr/>
         </p:nvSpPr>
         <p:spPr>
           <a:xfrm>
-            <a:off x="5173323" y="2556708"/>
-            <a:ext cx="1873585" cy="1930887"/>
+            <a:off x="2766016" y="4260022"/>
+            <a:ext cx="1873585" cy="643674"/>
           </a:xfrm>
-          <a:prstGeom prst="ellipse">
+          <a:prstGeom prst="roundRect">
             <a:avLst/>
           </a:prstGeom>
           <a:solidFill>
-            <a:schemeClr val="bg1"/>
+            <a:schemeClr val="accent1">
+              <a:lumMod val="40000"/>
+              <a:lumOff val="60000"/>
+            </a:schemeClr>
           </a:solidFill>
           <a:ln>
             <a:noFill/>
           </a:ln>
-          <a:effectLst>
-            <a:outerShdw blurRad="76200" dist="12700" dir="2700000" algn="tl" rotWithShape="0">
-              <a:schemeClr val="bg1">
-                <a:lumMod val="85000"/>
-                <a:alpha val="60000"/>
-              </a:schemeClr>
-            </a:outerShdw>
-          </a:effectLst>
         </p:spPr>
         <p:style>
           <a:lnRef idx="2">
@@ -19738,44 +20586,37 @@
           <a:lstStyle/>
           <a:p>
             <a:pPr algn="ctr"/>
-            <a:endParaRPr lang="ko-KR" altLang="en-US"/>
+            <a:r>
+              <a:rPr lang="ko-KR" altLang="en-US" dirty="0" err="1" smtClean="0"/>
+              <a:t>박근모</a:t>
+            </a:r>
+            <a:endParaRPr lang="ko-KR" altLang="en-US" dirty="0"/>
           </a:p>
         </p:txBody>
       </p:sp>
       <p:sp>
         <p:nvSpPr>
-          <p:cNvPr id="15" name="타원 14">
-            <a:extLst>
-              <a:ext uri="{FF2B5EF4-FFF2-40B4-BE49-F238E27FC236}">
-                <a16:creationId xmlns:a16="http://schemas.microsoft.com/office/drawing/2014/main" id="{A1130166-C80E-F83B-F427-B6B595571634}"/>
-              </a:ext>
-            </a:extLst>
-          </p:cNvPr>
+          <p:cNvPr id="17" name="모서리가 둥근 직사각형 16"/>
           <p:cNvSpPr/>
           <p:nvPr/>
         </p:nvSpPr>
         <p:spPr>
           <a:xfrm>
-            <a:off x="7687448" y="2556708"/>
-            <a:ext cx="1873585" cy="1930887"/>
+            <a:off x="5159207" y="4260022"/>
+            <a:ext cx="1873585" cy="643674"/>
           </a:xfrm>
-          <a:prstGeom prst="ellipse">
+          <a:prstGeom prst="roundRect">
             <a:avLst/>
           </a:prstGeom>
           <a:solidFill>
-            <a:schemeClr val="bg1"/>
+            <a:schemeClr val="accent1">
+              <a:lumMod val="40000"/>
+              <a:lumOff val="60000"/>
+            </a:schemeClr>
           </a:solidFill>
           <a:ln>
             <a:noFill/>
           </a:ln>
-          <a:effectLst>
-            <a:outerShdw blurRad="76200" dist="12700" dir="2700000" algn="tl" rotWithShape="0">
-              <a:schemeClr val="bg1">
-                <a:lumMod val="85000"/>
-                <a:alpha val="60000"/>
-              </a:schemeClr>
-            </a:outerShdw>
-          </a:effectLst>
         </p:spPr>
         <p:style>
           <a:lnRef idx="2">
@@ -19798,44 +20639,37 @@
           <a:lstStyle/>
           <a:p>
             <a:pPr algn="ctr"/>
-            <a:endParaRPr lang="ko-KR" altLang="en-US"/>
+            <a:r>
+              <a:rPr lang="ko-KR" altLang="en-US" dirty="0" err="1" smtClean="0"/>
+              <a:t>서석민</a:t>
+            </a:r>
+            <a:endParaRPr lang="ko-KR" altLang="en-US" dirty="0"/>
           </a:p>
         </p:txBody>
       </p:sp>
       <p:sp>
         <p:nvSpPr>
-          <p:cNvPr id="16" name="타원 15">
-            <a:extLst>
-              <a:ext uri="{FF2B5EF4-FFF2-40B4-BE49-F238E27FC236}">
-                <a16:creationId xmlns:a16="http://schemas.microsoft.com/office/drawing/2014/main" id="{A1130166-C80E-F83B-F427-B6B595571634}"/>
-              </a:ext>
-            </a:extLst>
-          </p:cNvPr>
+          <p:cNvPr id="18" name="모서리가 둥근 직사각형 17"/>
           <p:cNvSpPr/>
           <p:nvPr/>
         </p:nvSpPr>
         <p:spPr>
           <a:xfrm>
-            <a:off x="10035978" y="2636495"/>
-            <a:ext cx="1873585" cy="1930887"/>
+            <a:off x="7552398" y="4260022"/>
+            <a:ext cx="1873585" cy="643674"/>
           </a:xfrm>
-          <a:prstGeom prst="ellipse">
+          <a:prstGeom prst="roundRect">
             <a:avLst/>
           </a:prstGeom>
           <a:solidFill>
-            <a:schemeClr val="bg1"/>
+            <a:schemeClr val="accent1">
+              <a:lumMod val="40000"/>
+              <a:lumOff val="60000"/>
+            </a:schemeClr>
           </a:solidFill>
           <a:ln>
             <a:noFill/>
           </a:ln>
-          <a:effectLst>
-            <a:outerShdw blurRad="76200" dist="12700" dir="2700000" algn="tl" rotWithShape="0">
-              <a:schemeClr val="bg1">
-                <a:lumMod val="85000"/>
-                <a:alpha val="60000"/>
-              </a:schemeClr>
-            </a:outerShdw>
-          </a:effectLst>
         </p:spPr>
         <p:style>
           <a:lnRef idx="2">
@@ -19858,7 +20692,64 @@
           <a:lstStyle/>
           <a:p>
             <a:pPr algn="ctr"/>
-            <a:endParaRPr lang="ko-KR" altLang="en-US"/>
+            <a:r>
+              <a:rPr lang="ko-KR" altLang="en-US" dirty="0" err="1" smtClean="0"/>
+              <a:t>양유정</a:t>
+            </a:r>
+            <a:endParaRPr lang="ko-KR" altLang="en-US" dirty="0"/>
+          </a:p>
+        </p:txBody>
+      </p:sp>
+      <p:sp>
+        <p:nvSpPr>
+          <p:cNvPr id="19" name="모서리가 둥근 직사각형 18"/>
+          <p:cNvSpPr/>
+          <p:nvPr/>
+        </p:nvSpPr>
+        <p:spPr>
+          <a:xfrm>
+            <a:off x="9945588" y="4260022"/>
+            <a:ext cx="1873585" cy="643674"/>
+          </a:xfrm>
+          <a:prstGeom prst="roundRect">
+            <a:avLst/>
+          </a:prstGeom>
+          <a:solidFill>
+            <a:schemeClr val="accent1">
+              <a:lumMod val="40000"/>
+              <a:lumOff val="60000"/>
+            </a:schemeClr>
+          </a:solidFill>
+          <a:ln>
+            <a:noFill/>
+          </a:ln>
+        </p:spPr>
+        <p:style>
+          <a:lnRef idx="2">
+            <a:schemeClr val="accent1">
+              <a:shade val="50000"/>
+            </a:schemeClr>
+          </a:lnRef>
+          <a:fillRef idx="1">
+            <a:schemeClr val="accent1"/>
+          </a:fillRef>
+          <a:effectRef idx="0">
+            <a:schemeClr val="accent1"/>
+          </a:effectRef>
+          <a:fontRef idx="minor">
+            <a:schemeClr val="lt1"/>
+          </a:fontRef>
+        </p:style>
+        <p:txBody>
+          <a:bodyPr rtlCol="0" anchor="ctr"/>
+          <a:lstStyle/>
+          <a:p>
+            <a:pPr algn="ctr"/>
+            <a:r>
+              <a:rPr lang="ko-KR" altLang="en-US" dirty="0" smtClean="0"/>
+              <a:t>정유진</a:t>
+            </a:r>
+            <a:endParaRPr lang="ko-KR" altLang="en-US" dirty="0"/>
           </a:p>
         </p:txBody>
       </p:sp>
